--- a/thesis/ThesisPresentation V1.0-WorkingCopy.pptx
+++ b/thesis/ThesisPresentation V1.0-WorkingCopy.pptx
@@ -203,7 +203,7 @@
             <a:fld id="{5475D08A-A3E7-468D-B25F-56A8C1A55FA4}" type="datetimeFigureOut">
               <a:rPr lang="en-US" smtClean="0"/>
               <a:pPr/>
-              <a:t>11/10/2019</a:t>
+              <a:t>11/11/2019</a:t>
             </a:fld>
             <a:endParaRPr lang="en-IN"/>
           </a:p>
@@ -919,7 +919,7 @@
             <a:fld id="{13ED14C0-0590-4BCF-A2BF-D5E35D90D1B5}" type="datetime1">
               <a:rPr lang="en-US" smtClean="0"/>
               <a:pPr/>
-              <a:t>11/10/2019</a:t>
+              <a:t>11/11/2019</a:t>
             </a:fld>
             <a:endParaRPr lang="en-IN"/>
           </a:p>
@@ -1119,7 +1119,7 @@
             <a:fld id="{029A0199-58AE-4DE4-AFB2-A2ABA5EAB57B}" type="datetime1">
               <a:rPr lang="en-US" smtClean="0"/>
               <a:pPr/>
-              <a:t>11/10/2019</a:t>
+              <a:t>11/11/2019</a:t>
             </a:fld>
             <a:endParaRPr lang="en-IN"/>
           </a:p>
@@ -1296,7 +1296,7 @@
             <a:fld id="{500B125C-8A7E-41F9-8025-4D898F965B37}" type="datetime1">
               <a:rPr lang="en-US" smtClean="0"/>
               <a:pPr/>
-              <a:t>11/10/2019</a:t>
+              <a:t>11/11/2019</a:t>
             </a:fld>
             <a:endParaRPr lang="en-IN"/>
           </a:p>
@@ -1463,7 +1463,7 @@
             <a:fld id="{87CD8DF2-98B6-4E80-9D38-36DC8001AE63}" type="datetime1">
               <a:rPr lang="en-US" smtClean="0"/>
               <a:pPr/>
-              <a:t>11/10/2019</a:t>
+              <a:t>11/11/2019</a:t>
             </a:fld>
             <a:endParaRPr lang="en-IN"/>
           </a:p>
@@ -1706,7 +1706,7 @@
             <a:fld id="{7E1D402F-A897-41B7-941B-25AFD9808C21}" type="datetime1">
               <a:rPr lang="en-US" smtClean="0"/>
               <a:pPr/>
-              <a:t>11/10/2019</a:t>
+              <a:t>11/11/2019</a:t>
             </a:fld>
             <a:endParaRPr lang="en-IN"/>
           </a:p>
@@ -1991,7 +1991,7 @@
             <a:fld id="{51084BED-0295-41A8-9054-0FE538EDCB73}" type="datetime1">
               <a:rPr lang="en-US" smtClean="0"/>
               <a:pPr/>
-              <a:t>11/10/2019</a:t>
+              <a:t>11/11/2019</a:t>
             </a:fld>
             <a:endParaRPr lang="en-IN"/>
           </a:p>
@@ -2410,7 +2410,7 @@
             <a:fld id="{E81922EF-18FB-4FFD-AA3E-9F4D8DC6AC34}" type="datetime1">
               <a:rPr lang="en-US" smtClean="0"/>
               <a:pPr/>
-              <a:t>11/10/2019</a:t>
+              <a:t>11/11/2019</a:t>
             </a:fld>
             <a:endParaRPr lang="en-IN"/>
           </a:p>
@@ -2525,7 +2525,7 @@
             <a:fld id="{BBA7A0A7-7DC9-4816-9A02-6F6419EF6406}" type="datetime1">
               <a:rPr lang="en-US" smtClean="0"/>
               <a:pPr/>
-              <a:t>11/10/2019</a:t>
+              <a:t>11/11/2019</a:t>
             </a:fld>
             <a:endParaRPr lang="en-IN"/>
           </a:p>
@@ -2617,7 +2617,7 @@
             <a:fld id="{C4C2B463-DDCC-4352-9C6D-7FCDD1CCAB89}" type="datetime1">
               <a:rPr lang="en-US" smtClean="0"/>
               <a:pPr/>
-              <a:t>11/10/2019</a:t>
+              <a:t>11/11/2019</a:t>
             </a:fld>
             <a:endParaRPr lang="en-IN"/>
           </a:p>
@@ -2891,7 +2891,7 @@
             <a:fld id="{C09ACC42-816E-4477-8DBF-F1FC6F173BD1}" type="datetime1">
               <a:rPr lang="en-US" smtClean="0"/>
               <a:pPr/>
-              <a:t>11/10/2019</a:t>
+              <a:t>11/11/2019</a:t>
             </a:fld>
             <a:endParaRPr lang="en-IN"/>
           </a:p>
@@ -3141,7 +3141,7 @@
             <a:fld id="{AA2DE836-B689-4343-806B-EB82FF61CDC3}" type="datetime1">
               <a:rPr lang="en-US" smtClean="0"/>
               <a:pPr/>
-              <a:t>11/10/2019</a:t>
+              <a:t>11/11/2019</a:t>
             </a:fld>
             <a:endParaRPr lang="en-IN"/>
           </a:p>
@@ -3351,7 +3351,7 @@
             <a:fld id="{9A612963-3B7B-414A-BB97-F26A9A038459}" type="datetime1">
               <a:rPr lang="en-US" smtClean="0"/>
               <a:pPr/>
-              <a:t>11/10/2019</a:t>
+              <a:t>11/11/2019</a:t>
             </a:fld>
             <a:endParaRPr lang="en-IN"/>
           </a:p>
@@ -3825,8 +3825,13 @@
           <a:p>
             <a:r>
               <a:rPr lang="en-IN" dirty="0" smtClean="0"/>
-              <a:t>PhD presentation</a:t>
-            </a:r>
+              <a:t>PhD </a:t>
+            </a:r>
+            <a:r>
+              <a:rPr lang="en-IN" dirty="0" smtClean="0"/>
+              <a:t>thesis presentation</a:t>
+            </a:r>
+            <a:endParaRPr lang="en-IN" dirty="0" smtClean="0"/>
           </a:p>
           <a:p>
             <a:pPr algn="l"/>
@@ -7960,25 +7965,6 @@
       </p:sp>
       <p:sp>
         <p:nvSpPr>
-          <p:cNvPr id="3" name="Content Placeholder 2"/>
-          <p:cNvSpPr>
-            <a:spLocks noGrp="1"/>
-          </p:cNvSpPr>
-          <p:nvPr>
-            <p:ph idx="1"/>
-          </p:nvPr>
-        </p:nvSpPr>
-        <p:spPr/>
-        <p:txBody>
-          <a:bodyPr/>
-          <a:lstStyle/>
-          <a:p>
-            <a:endParaRPr lang="en-IN"/>
-          </a:p>
-        </p:txBody>
-      </p:sp>
-      <p:sp>
-        <p:nvSpPr>
           <p:cNvPr id="4" name="Slide Number Placeholder 3"/>
           <p:cNvSpPr>
             <a:spLocks noGrp="1"/>
@@ -8001,6 +7987,48 @@
           </a:p>
         </p:txBody>
       </p:sp>
+      <p:graphicFrame>
+        <p:nvGraphicFramePr>
+          <p:cNvPr id="5" name="Content Placeholder 4"/>
+          <p:cNvGraphicFramePr>
+            <a:graphicFrameLocks noChangeAspect="1"/>
+          </p:cNvGraphicFramePr>
+          <p:nvPr>
+            <p:ph idx="1"/>
+          </p:nvPr>
+        </p:nvGraphicFramePr>
+        <p:xfrm>
+          <a:off x="928662" y="1785926"/>
+          <a:ext cx="1357322" cy="1145240"/>
+        </p:xfrm>
+        <a:graphic>
+          <a:graphicData uri="http://schemas.openxmlformats.org/presentationml/2006/ole">
+            <p:oleObj spid="_x0000_s1026" name="Acrobat Document" showAsIcon="1" r:id="rId3" imgW="914400" imgH="771480" progId="AcroExch.Document.DC">
+              <p:embed/>
+            </p:oleObj>
+          </a:graphicData>
+        </a:graphic>
+      </p:graphicFrame>
+      <p:graphicFrame>
+        <p:nvGraphicFramePr>
+          <p:cNvPr id="6" name="Object 5"/>
+          <p:cNvGraphicFramePr>
+            <a:graphicFrameLocks noChangeAspect="1"/>
+          </p:cNvGraphicFramePr>
+          <p:nvPr/>
+        </p:nvGraphicFramePr>
+        <p:xfrm>
+          <a:off x="1071538" y="3357562"/>
+          <a:ext cx="1285884" cy="1084965"/>
+        </p:xfrm>
+        <a:graphic>
+          <a:graphicData uri="http://schemas.openxmlformats.org/presentationml/2006/ole">
+            <p:oleObj spid="_x0000_s1027" name="Acrobat Document" showAsIcon="1" r:id="rId4" imgW="914400" imgH="771480" progId="AcroExch.Document.DC">
+              <p:embed/>
+            </p:oleObj>
+          </a:graphicData>
+        </a:graphic>
+      </p:graphicFrame>
     </p:spTree>
   </p:cSld>
   <p:clrMapOvr>
@@ -8046,7 +8074,7 @@
         <p:spPr>
           <a:xfrm>
             <a:off x="71406" y="-24"/>
-            <a:ext cx="8229600" cy="1143000"/>
+            <a:ext cx="8229600" cy="642942"/>
           </a:xfrm>
         </p:spPr>
         <p:txBody>
@@ -8077,12 +8105,27 @@
             <p:ph idx="1"/>
           </p:nvPr>
         </p:nvSpPr>
-        <p:spPr/>
+        <p:spPr>
+          <a:xfrm>
+            <a:off x="142844" y="785794"/>
+            <a:ext cx="8229600" cy="4525963"/>
+          </a:xfrm>
+        </p:spPr>
         <p:txBody>
           <a:bodyPr/>
           <a:lstStyle/>
           <a:p>
-            <a:endParaRPr lang="en-IN"/>
+            <a:r>
+              <a:rPr lang="en-IN" dirty="0" smtClean="0"/>
+              <a:t>Long term treatment effects and side effects</a:t>
+            </a:r>
+          </a:p>
+          <a:p>
+            <a:r>
+              <a:rPr lang="en-IN" smtClean="0"/>
+              <a:t>Target trials</a:t>
+            </a:r>
+            <a:endParaRPr lang="en-IN" dirty="0"/>
           </a:p>
         </p:txBody>
       </p:sp>
@@ -8448,7 +8491,39 @@
           <a:bodyPr/>
           <a:lstStyle/>
           <a:p>
-            <a:endParaRPr lang="en-IN"/>
+            <a:r>
+              <a:rPr lang="en-IN" dirty="0" smtClean="0"/>
+              <a:t>Slides presented at the TDU conference (July 2019) + Slides presented at </a:t>
+            </a:r>
+            <a:r>
+              <a:rPr lang="en-IN" dirty="0" err="1" smtClean="0"/>
+              <a:t>Pune</a:t>
+            </a:r>
+            <a:r>
+              <a:rPr lang="en-IN" dirty="0" smtClean="0"/>
+              <a:t> University (Nov 2019)</a:t>
+            </a:r>
+          </a:p>
+          <a:p>
+            <a:endParaRPr lang="en-IN" dirty="0" smtClean="0"/>
+          </a:p>
+          <a:p>
+            <a:r>
+              <a:rPr lang="en-IN" sz="1600" dirty="0" smtClean="0">
+                <a:hlinkClick r:id="rId3"/>
+              </a:rPr>
+              <a:t>https://github.com/coursephd/PostgreSQL/blob/master/thesis/TDU-June2019/01TDU-June2019-SoftwareUse-Patterns.pptx</a:t>
+            </a:r>
+            <a:endParaRPr lang="en-IN" sz="1600" dirty="0" smtClean="0"/>
+          </a:p>
+          <a:p>
+            <a:r>
+              <a:rPr lang="en-IN" sz="1600" dirty="0" smtClean="0">
+                <a:hlinkClick r:id="rId4"/>
+              </a:rPr>
+              <a:t>https://github.com/coursephd/PostgreSQL/blob/master/thesis/Pune-Nov2019/01AYUSH-Pune-Nov2019.pptx</a:t>
+            </a:r>
+            <a:endParaRPr lang="en-IN" sz="1600" dirty="0"/>
           </a:p>
         </p:txBody>
       </p:sp>

--- a/thesis/ThesisPresentation V1.0-WorkingCopy.pptx
+++ b/thesis/ThesisPresentation V1.0-WorkingCopy.pptx
@@ -5,7 +5,7 @@
     <p:sldMasterId id="2147483648" r:id="rId1"/>
   </p:sldMasterIdLst>
   <p:notesMasterIdLst>
-    <p:notesMasterId r:id="rId13"/>
+    <p:notesMasterId r:id="rId14"/>
   </p:notesMasterIdLst>
   <p:sldIdLst>
     <p:sldId id="256" r:id="rId2"/>
@@ -18,7 +18,8 @@
     <p:sldId id="263" r:id="rId9"/>
     <p:sldId id="264" r:id="rId10"/>
     <p:sldId id="265" r:id="rId11"/>
-    <p:sldId id="266" r:id="rId12"/>
+    <p:sldId id="267" r:id="rId12"/>
+    <p:sldId id="266" r:id="rId13"/>
   </p:sldIdLst>
   <p:sldSz cx="9144000" cy="6858000" type="screen4x3"/>
   <p:notesSz cx="6858000" cy="9144000"/>
@@ -203,7 +204,7 @@
             <a:fld id="{5475D08A-A3E7-468D-B25F-56A8C1A55FA4}" type="datetimeFigureOut">
               <a:rPr lang="en-US" smtClean="0"/>
               <a:pPr/>
-              <a:t>11/11/2019</a:t>
+              <a:t>1/4/2020</a:t>
             </a:fld>
             <a:endParaRPr lang="en-IN"/>
           </a:p>
@@ -919,7 +920,7 @@
             <a:fld id="{13ED14C0-0590-4BCF-A2BF-D5E35D90D1B5}" type="datetime1">
               <a:rPr lang="en-US" smtClean="0"/>
               <a:pPr/>
-              <a:t>11/11/2019</a:t>
+              <a:t>1/4/2020</a:t>
             </a:fld>
             <a:endParaRPr lang="en-IN"/>
           </a:p>
@@ -1119,7 +1120,7 @@
             <a:fld id="{029A0199-58AE-4DE4-AFB2-A2ABA5EAB57B}" type="datetime1">
               <a:rPr lang="en-US" smtClean="0"/>
               <a:pPr/>
-              <a:t>11/11/2019</a:t>
+              <a:t>1/4/2020</a:t>
             </a:fld>
             <a:endParaRPr lang="en-IN"/>
           </a:p>
@@ -1296,7 +1297,7 @@
             <a:fld id="{500B125C-8A7E-41F9-8025-4D898F965B37}" type="datetime1">
               <a:rPr lang="en-US" smtClean="0"/>
               <a:pPr/>
-              <a:t>11/11/2019</a:t>
+              <a:t>1/4/2020</a:t>
             </a:fld>
             <a:endParaRPr lang="en-IN"/>
           </a:p>
@@ -1463,7 +1464,7 @@
             <a:fld id="{87CD8DF2-98B6-4E80-9D38-36DC8001AE63}" type="datetime1">
               <a:rPr lang="en-US" smtClean="0"/>
               <a:pPr/>
-              <a:t>11/11/2019</a:t>
+              <a:t>1/4/2020</a:t>
             </a:fld>
             <a:endParaRPr lang="en-IN"/>
           </a:p>
@@ -1706,7 +1707,7 @@
             <a:fld id="{7E1D402F-A897-41B7-941B-25AFD9808C21}" type="datetime1">
               <a:rPr lang="en-US" smtClean="0"/>
               <a:pPr/>
-              <a:t>11/11/2019</a:t>
+              <a:t>1/4/2020</a:t>
             </a:fld>
             <a:endParaRPr lang="en-IN"/>
           </a:p>
@@ -1991,7 +1992,7 @@
             <a:fld id="{51084BED-0295-41A8-9054-0FE538EDCB73}" type="datetime1">
               <a:rPr lang="en-US" smtClean="0"/>
               <a:pPr/>
-              <a:t>11/11/2019</a:t>
+              <a:t>1/4/2020</a:t>
             </a:fld>
             <a:endParaRPr lang="en-IN"/>
           </a:p>
@@ -2410,7 +2411,7 @@
             <a:fld id="{E81922EF-18FB-4FFD-AA3E-9F4D8DC6AC34}" type="datetime1">
               <a:rPr lang="en-US" smtClean="0"/>
               <a:pPr/>
-              <a:t>11/11/2019</a:t>
+              <a:t>1/4/2020</a:t>
             </a:fld>
             <a:endParaRPr lang="en-IN"/>
           </a:p>
@@ -2525,7 +2526,7 @@
             <a:fld id="{BBA7A0A7-7DC9-4816-9A02-6F6419EF6406}" type="datetime1">
               <a:rPr lang="en-US" smtClean="0"/>
               <a:pPr/>
-              <a:t>11/11/2019</a:t>
+              <a:t>1/4/2020</a:t>
             </a:fld>
             <a:endParaRPr lang="en-IN"/>
           </a:p>
@@ -2617,7 +2618,7 @@
             <a:fld id="{C4C2B463-DDCC-4352-9C6D-7FCDD1CCAB89}" type="datetime1">
               <a:rPr lang="en-US" smtClean="0"/>
               <a:pPr/>
-              <a:t>11/11/2019</a:t>
+              <a:t>1/4/2020</a:t>
             </a:fld>
             <a:endParaRPr lang="en-IN"/>
           </a:p>
@@ -2891,7 +2892,7 @@
             <a:fld id="{C09ACC42-816E-4477-8DBF-F1FC6F173BD1}" type="datetime1">
               <a:rPr lang="en-US" smtClean="0"/>
               <a:pPr/>
-              <a:t>11/11/2019</a:t>
+              <a:t>1/4/2020</a:t>
             </a:fld>
             <a:endParaRPr lang="en-IN"/>
           </a:p>
@@ -3141,7 +3142,7 @@
             <a:fld id="{AA2DE836-B689-4343-806B-EB82FF61CDC3}" type="datetime1">
               <a:rPr lang="en-US" smtClean="0"/>
               <a:pPr/>
-              <a:t>11/11/2019</a:t>
+              <a:t>1/4/2020</a:t>
             </a:fld>
             <a:endParaRPr lang="en-IN"/>
           </a:p>
@@ -3351,7 +3352,7 @@
             <a:fld id="{9A612963-3B7B-414A-BB97-F26A9A038459}" type="datetime1">
               <a:rPr lang="en-US" smtClean="0"/>
               <a:pPr/>
-              <a:t>11/11/2019</a:t>
+              <a:t>1/4/2020</a:t>
             </a:fld>
             <a:endParaRPr lang="en-IN"/>
           </a:p>
@@ -3825,13 +3826,8 @@
           <a:p>
             <a:r>
               <a:rPr lang="en-IN" dirty="0" smtClean="0"/>
-              <a:t>PhD </a:t>
-            </a:r>
-            <a:r>
-              <a:rPr lang="en-IN" dirty="0" smtClean="0"/>
-              <a:t>thesis presentation</a:t>
-            </a:r>
-            <a:endParaRPr lang="en-IN" dirty="0" smtClean="0"/>
+              <a:t>PhD thesis presentation</a:t>
+            </a:r>
           </a:p>
           <a:p>
             <a:pPr algn="l"/>
@@ -3994,12 +3990,118 @@
             <p:ph idx="1"/>
           </p:nvPr>
         </p:nvSpPr>
-        <p:spPr/>
-        <p:txBody>
-          <a:bodyPr/>
+        <p:spPr>
+          <a:xfrm>
+            <a:off x="214282" y="1000108"/>
+            <a:ext cx="8786842" cy="4525963"/>
+          </a:xfrm>
+        </p:spPr>
+        <p:txBody>
+          <a:bodyPr>
+            <a:noAutofit/>
+          </a:bodyPr>
           <a:lstStyle/>
           <a:p>
-            <a:endParaRPr lang="en-IN"/>
+            <a:pPr>
+              <a:buNone/>
+            </a:pPr>
+            <a:r>
+              <a:rPr lang="en-IN" dirty="0" smtClean="0"/>
+              <a:t>Work </a:t>
+            </a:r>
+            <a:r>
+              <a:rPr lang="en-IN" dirty="0" smtClean="0"/>
+              <a:t>in progress. 7 to 10 methods being worked </a:t>
+            </a:r>
+            <a:r>
+              <a:rPr lang="en-IN" dirty="0" smtClean="0"/>
+              <a:t>on</a:t>
+            </a:r>
+            <a:endParaRPr lang="en-IN" dirty="0" smtClean="0"/>
+          </a:p>
+          <a:p>
+            <a:pPr marL="514350" indent="-514350">
+              <a:buFont typeface="+mj-lt"/>
+              <a:buAutoNum type="arabicPeriod"/>
+            </a:pPr>
+            <a:r>
+              <a:rPr lang="en-IN" dirty="0" smtClean="0"/>
+              <a:t>Word2Vec</a:t>
+            </a:r>
+            <a:endParaRPr lang="en-IN" dirty="0" smtClean="0"/>
+          </a:p>
+          <a:p>
+            <a:pPr marL="514350" indent="-514350">
+              <a:buFont typeface="+mj-lt"/>
+              <a:buAutoNum type="arabicPeriod"/>
+            </a:pPr>
+            <a:r>
+              <a:rPr lang="en-IN" dirty="0" err="1" smtClean="0"/>
+              <a:t>Fasttext</a:t>
+            </a:r>
+            <a:endParaRPr lang="en-IN" dirty="0" smtClean="0"/>
+          </a:p>
+          <a:p>
+            <a:pPr marL="514350" indent="-514350">
+              <a:buFont typeface="+mj-lt"/>
+              <a:buAutoNum type="arabicPeriod"/>
+            </a:pPr>
+            <a:r>
+              <a:rPr lang="en-IN" dirty="0" smtClean="0"/>
+              <a:t>Wang2vec</a:t>
+            </a:r>
+            <a:endParaRPr lang="en-IN" dirty="0" smtClean="0"/>
+          </a:p>
+          <a:p>
+            <a:pPr marL="514350" indent="-514350">
+              <a:buFont typeface="+mj-lt"/>
+              <a:buAutoNum type="arabicPeriod"/>
+            </a:pPr>
+            <a:r>
+              <a:rPr lang="en-IN" dirty="0" err="1" smtClean="0"/>
+              <a:t>mce</a:t>
+            </a:r>
+            <a:endParaRPr lang="en-IN" dirty="0" smtClean="0"/>
+          </a:p>
+          <a:p>
+            <a:pPr marL="514350" indent="-514350">
+              <a:buFont typeface="+mj-lt"/>
+              <a:buAutoNum type="arabicPeriod"/>
+            </a:pPr>
+            <a:r>
+              <a:rPr lang="en-IN" dirty="0" err="1" smtClean="0"/>
+              <a:t>textgenrnn</a:t>
+            </a:r>
+            <a:r>
+              <a:rPr lang="en-IN" dirty="0" smtClean="0"/>
+              <a:t> </a:t>
+            </a:r>
+            <a:r>
+              <a:rPr lang="en-IN" dirty="0" smtClean="0"/>
+              <a:t>– Recurrent Neural Network</a:t>
+            </a:r>
+          </a:p>
+          <a:p>
+            <a:pPr marL="514350" indent="-514350">
+              <a:buFont typeface="+mj-lt"/>
+              <a:buAutoNum type="arabicPeriod"/>
+            </a:pPr>
+            <a:r>
+              <a:rPr lang="en-IN" dirty="0" smtClean="0"/>
+              <a:t>LSTM</a:t>
+            </a:r>
+            <a:endParaRPr lang="en-IN" dirty="0" smtClean="0"/>
+          </a:p>
+          <a:p>
+            <a:pPr marL="514350" indent="-514350">
+              <a:buFont typeface="+mj-lt"/>
+              <a:buAutoNum type="arabicPeriod"/>
+            </a:pPr>
+            <a:r>
+              <a:rPr lang="en-IN" dirty="0" smtClean="0"/>
+              <a:t>Med2vec</a:t>
+            </a:r>
+            <a:endParaRPr lang="en-IN" dirty="0" smtClean="0"/>
           </a:p>
         </p:txBody>
       </p:sp>
@@ -4079,13 +4181,103 @@
                 <a:spcPct val="0"/>
               </a:spcBef>
               <a:buFont typeface="+mj-lt"/>
-              <a:buAutoNum type="arabicPeriod" startAt="6"/>
+              <a:buAutoNum type="arabicPeriod" startAt="5"/>
             </a:pPr>
             <a:r>
               <a:rPr lang="en-IN" sz="3200" dirty="0" smtClean="0"/>
-              <a:t>Outcomes</a:t>
+              <a:t>Deep learning of </a:t>
+            </a:r>
+            <a:r>
+              <a:rPr lang="en-IN" sz="3200" dirty="0" smtClean="0"/>
+              <a:t>EMR cont’d</a:t>
             </a:r>
             <a:endParaRPr lang="en-IN" sz="3200" dirty="0"/>
+          </a:p>
+        </p:txBody>
+      </p:sp>
+      <p:sp>
+        <p:nvSpPr>
+          <p:cNvPr id="3" name="Content Placeholder 2"/>
+          <p:cNvSpPr>
+            <a:spLocks noGrp="1"/>
+          </p:cNvSpPr>
+          <p:nvPr>
+            <p:ph idx="1"/>
+          </p:nvPr>
+        </p:nvSpPr>
+        <p:spPr>
+          <a:xfrm>
+            <a:off x="214282" y="1000108"/>
+            <a:ext cx="8786842" cy="4525963"/>
+          </a:xfrm>
+        </p:spPr>
+        <p:txBody>
+          <a:bodyPr>
+            <a:noAutofit/>
+          </a:bodyPr>
+          <a:lstStyle/>
+          <a:p>
+            <a:r>
+              <a:rPr lang="en-IN" dirty="0" smtClean="0"/>
+              <a:t>Visualization </a:t>
+            </a:r>
+            <a:r>
+              <a:rPr lang="en-IN" dirty="0" smtClean="0"/>
+              <a:t>of the word embeddings </a:t>
+            </a:r>
+            <a:r>
+              <a:rPr lang="en-IN" dirty="0" smtClean="0"/>
+              <a:t>using </a:t>
+            </a:r>
+            <a:r>
+              <a:rPr lang="en-IN" dirty="0" err="1" smtClean="0"/>
+              <a:t>TensorFlow</a:t>
+            </a:r>
+            <a:r>
+              <a:rPr lang="en-IN" dirty="0" smtClean="0"/>
+              <a:t> </a:t>
+            </a:r>
+            <a:r>
+              <a:rPr lang="en-IN" dirty="0" smtClean="0"/>
+              <a:t>embedding </a:t>
+            </a:r>
+            <a:r>
+              <a:rPr lang="en-IN" dirty="0" smtClean="0"/>
+              <a:t>projector, working link:</a:t>
+            </a:r>
+          </a:p>
+          <a:p>
+            <a:pPr lvl="1"/>
+            <a:r>
+              <a:rPr lang="en-IN" dirty="0" smtClean="0">
+                <a:hlinkClick r:id="rId2"/>
+              </a:rPr>
+              <a:t>Link to multiple tensor Projectors at one place for Diseases And </a:t>
+            </a:r>
+            <a:r>
+              <a:rPr lang="en-IN" dirty="0" smtClean="0">
+                <a:hlinkClick r:id="rId2"/>
+              </a:rPr>
+              <a:t>Medicine</a:t>
+            </a:r>
+            <a:endParaRPr lang="en-IN" dirty="0" smtClean="0"/>
+          </a:p>
+          <a:p>
+            <a:r>
+              <a:rPr lang="en-IN" dirty="0" smtClean="0"/>
+              <a:t>Attempt to build, similar to, using our data: </a:t>
+            </a:r>
+            <a:r>
+              <a:rPr lang="en-IN" u="sng" dirty="0" smtClean="0">
+                <a:hlinkClick r:id="rId3"/>
+              </a:rPr>
+              <a:t>http://cui2vec.dbmi.hms.harvard.edu/</a:t>
+            </a:r>
+            <a:r>
+              <a:rPr lang="en-IN" dirty="0" smtClean="0"/>
+              <a:t>.</a:t>
+            </a:r>
+            <a:endParaRPr lang="en-IN" dirty="0"/>
           </a:p>
         </p:txBody>
       </p:sp>
@@ -4113,6 +4305,99 @@
           </a:p>
         </p:txBody>
       </p:sp>
+    </p:spTree>
+  </p:cSld>
+  <p:clrMapOvr>
+    <a:masterClrMapping/>
+  </p:clrMapOvr>
+  <p:timing>
+    <p:tnLst>
+      <p:par>
+        <p:cTn id="1" dur="indefinite" restart="never" nodeType="tmRoot"/>
+      </p:par>
+    </p:tnLst>
+  </p:timing>
+</p:sld>
+</file>
+
+<file path=ppt/slides/slide12.xml><?xml version="1.0" encoding="utf-8"?>
+<p:sld xmlns:a="http://schemas.openxmlformats.org/drawingml/2006/main" xmlns:r="http://schemas.openxmlformats.org/officeDocument/2006/relationships" xmlns:p="http://schemas.openxmlformats.org/presentationml/2006/main">
+  <p:cSld>
+    <p:spTree>
+      <p:nvGrpSpPr>
+        <p:cNvPr id="1" name=""/>
+        <p:cNvGrpSpPr/>
+        <p:nvPr/>
+      </p:nvGrpSpPr>
+      <p:grpSpPr>
+        <a:xfrm>
+          <a:off x="0" y="0"/>
+          <a:ext cx="0" cy="0"/>
+          <a:chOff x="0" y="0"/>
+          <a:chExt cx="0" cy="0"/>
+        </a:xfrm>
+      </p:grpSpPr>
+      <p:sp>
+        <p:nvSpPr>
+          <p:cNvPr id="2" name="Title 1"/>
+          <p:cNvSpPr>
+            <a:spLocks noGrp="1"/>
+          </p:cNvSpPr>
+          <p:nvPr>
+            <p:ph type="title"/>
+          </p:nvPr>
+        </p:nvSpPr>
+        <p:spPr>
+          <a:xfrm>
+            <a:off x="71406" y="-24"/>
+            <a:ext cx="8229600" cy="1143000"/>
+          </a:xfrm>
+        </p:spPr>
+        <p:txBody>
+          <a:bodyPr>
+            <a:noAutofit/>
+          </a:bodyPr>
+          <a:lstStyle/>
+          <a:p>
+            <a:pPr marL="742950" lvl="1" indent="-742950" algn="l" rtl="0">
+              <a:spcBef>
+                <a:spcPct val="0"/>
+              </a:spcBef>
+              <a:buFont typeface="+mj-lt"/>
+              <a:buAutoNum type="arabicPeriod" startAt="6"/>
+            </a:pPr>
+            <a:r>
+              <a:rPr lang="en-IN" sz="3200" dirty="0" smtClean="0"/>
+              <a:t>Outcomes</a:t>
+            </a:r>
+            <a:endParaRPr lang="en-IN" sz="3200" dirty="0"/>
+          </a:p>
+        </p:txBody>
+      </p:sp>
+      <p:sp>
+        <p:nvSpPr>
+          <p:cNvPr id="4" name="Slide Number Placeholder 3"/>
+          <p:cNvSpPr>
+            <a:spLocks noGrp="1"/>
+          </p:cNvSpPr>
+          <p:nvPr>
+            <p:ph type="sldNum" sz="quarter" idx="12"/>
+          </p:nvPr>
+        </p:nvSpPr>
+        <p:spPr/>
+        <p:txBody>
+          <a:bodyPr/>
+          <a:lstStyle/>
+          <a:p>
+            <a:fld id="{683A73A5-E307-49AE-B713-67FB3933783B}" type="slidenum">
+              <a:rPr lang="en-IN" smtClean="0"/>
+              <a:pPr/>
+              <a:t>12</a:t>
+            </a:fld>
+            <a:endParaRPr lang="en-IN"/>
+          </a:p>
+        </p:txBody>
+      </p:sp>
       <p:sp>
         <p:nvSpPr>
           <p:cNvPr id="5" name="Content Placeholder 2"/>
@@ -4166,6 +4451,13 @@
   <p:clrMapOvr>
     <a:masterClrMapping/>
   </p:clrMapOvr>
+  <p:timing>
+    <p:tnLst>
+      <p:par>
+        <p:cTn id="1" dur="indefinite" restart="never" nodeType="tmRoot"/>
+      </p:par>
+    </p:tnLst>
+  </p:timing>
 </p:sld>
 </file>
 
@@ -8882,12 +9174,12 @@
         <p:spPr>
           <a:xfrm>
             <a:off x="342928" y="1214422"/>
-            <a:ext cx="8229600" cy="4525963"/>
+            <a:ext cx="8586790" cy="4525963"/>
           </a:xfrm>
         </p:spPr>
         <p:txBody>
           <a:bodyPr>
-            <a:normAutofit/>
+            <a:normAutofit lnSpcReduction="10000"/>
           </a:bodyPr>
           <a:lstStyle/>
           <a:p>
@@ -8921,7 +9213,11 @@
             </a:pPr>
             <a:r>
               <a:rPr lang="en-IN" dirty="0" smtClean="0"/>
-              <a:t>SPMF algorithms</a:t>
+              <a:t>Sequence Pattern Mining Framework (SPMF) </a:t>
+            </a:r>
+            <a:r>
+              <a:rPr lang="en-IN" dirty="0" smtClean="0"/>
+              <a:t>algorithms</a:t>
             </a:r>
           </a:p>
           <a:p>
@@ -8931,8 +9227,9 @@
             </a:pPr>
             <a:r>
               <a:rPr lang="en-IN" dirty="0" smtClean="0"/>
-              <a:t>Java visuals</a:t>
-            </a:r>
+              <a:t>Visuals built using Java and d3js libraries</a:t>
+            </a:r>
+            <a:endParaRPr lang="en-IN" dirty="0" smtClean="0"/>
           </a:p>
           <a:p>
             <a:pPr marL="514350" indent="-514350">

--- a/thesis/ThesisPresentation V1.0-WorkingCopy.pptx
+++ b/thesis/ThesisPresentation V1.0-WorkingCopy.pptx
@@ -5,7 +5,7 @@
     <p:sldMasterId id="2147483648" r:id="rId1"/>
   </p:sldMasterIdLst>
   <p:notesMasterIdLst>
-    <p:notesMasterId r:id="rId14"/>
+    <p:notesMasterId r:id="rId15"/>
   </p:notesMasterIdLst>
   <p:sldIdLst>
     <p:sldId id="256" r:id="rId2"/>
@@ -19,7 +19,8 @@
     <p:sldId id="264" r:id="rId10"/>
     <p:sldId id="265" r:id="rId11"/>
     <p:sldId id="267" r:id="rId12"/>
-    <p:sldId id="266" r:id="rId13"/>
+    <p:sldId id="268" r:id="rId13"/>
+    <p:sldId id="266" r:id="rId14"/>
   </p:sldIdLst>
   <p:sldSz cx="9144000" cy="6858000" type="screen4x3"/>
   <p:notesSz cx="6858000" cy="9144000"/>
@@ -4007,17 +4008,8 @@
             </a:pPr>
             <a:r>
               <a:rPr lang="en-IN" dirty="0" smtClean="0"/>
-              <a:t>Work </a:t>
-            </a:r>
-            <a:r>
-              <a:rPr lang="en-IN" dirty="0" smtClean="0"/>
-              <a:t>in progress. 7 to 10 methods being worked </a:t>
-            </a:r>
-            <a:r>
-              <a:rPr lang="en-IN" dirty="0" smtClean="0"/>
-              <a:t>on</a:t>
-            </a:r>
-            <a:endParaRPr lang="en-IN" dirty="0" smtClean="0"/>
+              <a:t>Work in progress. 7 to 10 methods being worked on</a:t>
+            </a:r>
           </a:p>
           <a:p>
             <a:pPr marL="514350" indent="-514350">
@@ -4028,7 +4020,6 @@
               <a:rPr lang="en-IN" dirty="0" smtClean="0"/>
               <a:t>Word2Vec</a:t>
             </a:r>
-            <a:endParaRPr lang="en-IN" dirty="0" smtClean="0"/>
           </a:p>
           <a:p>
             <a:pPr marL="514350" indent="-514350">
@@ -4050,7 +4041,6 @@
               <a:rPr lang="en-IN" dirty="0" smtClean="0"/>
               <a:t>Wang2vec</a:t>
             </a:r>
-            <a:endParaRPr lang="en-IN" dirty="0" smtClean="0"/>
           </a:p>
           <a:p>
             <a:pPr marL="514350" indent="-514350">
@@ -4074,11 +4064,7 @@
             </a:r>
             <a:r>
               <a:rPr lang="en-IN" dirty="0" smtClean="0"/>
-              <a:t> </a:t>
-            </a:r>
-            <a:r>
-              <a:rPr lang="en-IN" dirty="0" smtClean="0"/>
-              <a:t>– Recurrent Neural Network</a:t>
+              <a:t> – Recurrent Neural Network</a:t>
             </a:r>
           </a:p>
           <a:p>
@@ -4090,7 +4076,6 @@
               <a:rPr lang="en-IN" dirty="0" smtClean="0"/>
               <a:t>LSTM</a:t>
             </a:r>
-            <a:endParaRPr lang="en-IN" dirty="0" smtClean="0"/>
           </a:p>
           <a:p>
             <a:pPr marL="514350" indent="-514350">
@@ -4101,7 +4086,6 @@
               <a:rPr lang="en-IN" dirty="0" smtClean="0"/>
               <a:t>Med2vec</a:t>
             </a:r>
-            <a:endParaRPr lang="en-IN" dirty="0" smtClean="0"/>
           </a:p>
         </p:txBody>
       </p:sp>
@@ -4185,11 +4169,7 @@
             </a:pPr>
             <a:r>
               <a:rPr lang="en-IN" sz="3200" dirty="0" smtClean="0"/>
-              <a:t>Deep learning of </a:t>
-            </a:r>
-            <a:r>
-              <a:rPr lang="en-IN" sz="3200" dirty="0" smtClean="0"/>
-              <a:t>EMR cont’d</a:t>
+              <a:t>Deep learning of EMR cont’d</a:t>
             </a:r>
             <a:endParaRPr lang="en-IN" sz="3200" dirty="0"/>
           </a:p>
@@ -4219,15 +4199,7 @@
           <a:p>
             <a:r>
               <a:rPr lang="en-IN" dirty="0" smtClean="0"/>
-              <a:t>Visualization </a:t>
-            </a:r>
-            <a:r>
-              <a:rPr lang="en-IN" dirty="0" smtClean="0"/>
-              <a:t>of the word embeddings </a:t>
-            </a:r>
-            <a:r>
-              <a:rPr lang="en-IN" dirty="0" smtClean="0"/>
-              <a:t>using </a:t>
+              <a:t>Visualization of the word embeddings using </a:t>
             </a:r>
             <a:r>
               <a:rPr lang="en-IN" dirty="0" err="1" smtClean="0"/>
@@ -4235,15 +4207,7 @@
             </a:r>
             <a:r>
               <a:rPr lang="en-IN" dirty="0" smtClean="0"/>
-              <a:t> </a:t>
-            </a:r>
-            <a:r>
-              <a:rPr lang="en-IN" dirty="0" smtClean="0"/>
-              <a:t>embedding </a:t>
-            </a:r>
-            <a:r>
-              <a:rPr lang="en-IN" dirty="0" smtClean="0"/>
-              <a:t>projector, working link:</a:t>
+              <a:t> embedding projector, working link:</a:t>
             </a:r>
           </a:p>
           <a:p>
@@ -4252,13 +4216,7 @@
               <a:rPr lang="en-IN" dirty="0" smtClean="0">
                 <a:hlinkClick r:id="rId2"/>
               </a:rPr>
-              <a:t>Link to multiple tensor Projectors at one place for Diseases And </a:t>
-            </a:r>
-            <a:r>
-              <a:rPr lang="en-IN" dirty="0" smtClean="0">
-                <a:hlinkClick r:id="rId2"/>
-              </a:rPr>
-              <a:t>Medicine</a:t>
+              <a:t>Link to multiple tensor Projectors at one place for Diseases And Medicine</a:t>
             </a:r>
             <a:endParaRPr lang="en-IN" dirty="0" smtClean="0"/>
           </a:p>
@@ -4347,6 +4305,123 @@
             <p:ph type="title"/>
           </p:nvPr>
         </p:nvSpPr>
+        <p:spPr/>
+        <p:txBody>
+          <a:bodyPr/>
+          <a:lstStyle/>
+          <a:p>
+            <a:r>
+              <a:rPr lang="en-IN" dirty="0" smtClean="0"/>
+              <a:t>Talks at conferences</a:t>
+            </a:r>
+            <a:endParaRPr lang="en-IN" dirty="0"/>
+          </a:p>
+        </p:txBody>
+      </p:sp>
+      <p:sp>
+        <p:nvSpPr>
+          <p:cNvPr id="3" name="Content Placeholder 2"/>
+          <p:cNvSpPr>
+            <a:spLocks noGrp="1"/>
+          </p:cNvSpPr>
+          <p:nvPr>
+            <p:ph idx="1"/>
+          </p:nvPr>
+        </p:nvSpPr>
+        <p:spPr/>
+        <p:txBody>
+          <a:bodyPr/>
+          <a:lstStyle/>
+          <a:p>
+            <a:r>
+              <a:rPr lang="en-IN" dirty="0" smtClean="0"/>
+              <a:t>Presentation at the World Ayurveda conference in Ahmadabad 2018</a:t>
+            </a:r>
+          </a:p>
+          <a:p>
+            <a:r>
+              <a:rPr lang="en-IN" dirty="0" smtClean="0"/>
+              <a:t>2 day work shop at the TDU conference in July 2019 </a:t>
+            </a:r>
+          </a:p>
+          <a:p>
+            <a:r>
+              <a:rPr lang="en-IN" dirty="0" smtClean="0"/>
+              <a:t>Presentation at ‘AYUSH for Future Health Challenges - Strengthening trans-disciplinary research</a:t>
+            </a:r>
+            <a:r>
+              <a:rPr lang="en-IN" dirty="0" smtClean="0"/>
+              <a:t>’, </a:t>
+            </a:r>
+            <a:r>
+              <a:rPr lang="en-IN" dirty="0" smtClean="0"/>
+              <a:t>Pune University, Nov 2019</a:t>
+            </a:r>
+          </a:p>
+          <a:p>
+            <a:endParaRPr lang="en-IN" dirty="0"/>
+          </a:p>
+        </p:txBody>
+      </p:sp>
+      <p:sp>
+        <p:nvSpPr>
+          <p:cNvPr id="4" name="Slide Number Placeholder 3"/>
+          <p:cNvSpPr>
+            <a:spLocks noGrp="1"/>
+          </p:cNvSpPr>
+          <p:nvPr>
+            <p:ph type="sldNum" sz="quarter" idx="12"/>
+          </p:nvPr>
+        </p:nvSpPr>
+        <p:spPr/>
+        <p:txBody>
+          <a:bodyPr/>
+          <a:lstStyle/>
+          <a:p>
+            <a:fld id="{683A73A5-E307-49AE-B713-67FB3933783B}" type="slidenum">
+              <a:rPr lang="en-IN" smtClean="0"/>
+              <a:pPr/>
+              <a:t>12</a:t>
+            </a:fld>
+            <a:endParaRPr lang="en-IN"/>
+          </a:p>
+        </p:txBody>
+      </p:sp>
+    </p:spTree>
+  </p:cSld>
+  <p:clrMapOvr>
+    <a:masterClrMapping/>
+  </p:clrMapOvr>
+</p:sld>
+</file>
+
+<file path=ppt/slides/slide13.xml><?xml version="1.0" encoding="utf-8"?>
+<p:sld xmlns:a="http://schemas.openxmlformats.org/drawingml/2006/main" xmlns:r="http://schemas.openxmlformats.org/officeDocument/2006/relationships" xmlns:p="http://schemas.openxmlformats.org/presentationml/2006/main">
+  <p:cSld>
+    <p:spTree>
+      <p:nvGrpSpPr>
+        <p:cNvPr id="1" name=""/>
+        <p:cNvGrpSpPr/>
+        <p:nvPr/>
+      </p:nvGrpSpPr>
+      <p:grpSpPr>
+        <a:xfrm>
+          <a:off x="0" y="0"/>
+          <a:ext cx="0" cy="0"/>
+          <a:chOff x="0" y="0"/>
+          <a:chExt cx="0" cy="0"/>
+        </a:xfrm>
+      </p:grpSpPr>
+      <p:sp>
+        <p:nvSpPr>
+          <p:cNvPr id="2" name="Title 1"/>
+          <p:cNvSpPr>
+            <a:spLocks noGrp="1"/>
+          </p:cNvSpPr>
+          <p:nvPr>
+            <p:ph type="title"/>
+          </p:nvPr>
+        </p:nvSpPr>
         <p:spPr>
           <a:xfrm>
             <a:off x="71406" y="-24"/>
@@ -4392,7 +4467,7 @@
             <a:fld id="{683A73A5-E307-49AE-B713-67FB3933783B}" type="slidenum">
               <a:rPr lang="en-IN" smtClean="0"/>
               <a:pPr/>
-              <a:t>12</a:t>
+              <a:t>13</a:t>
             </a:fld>
             <a:endParaRPr lang="en-IN"/>
           </a:p>
@@ -8778,44 +8853,40 @@
             <p:ph idx="1"/>
           </p:nvPr>
         </p:nvSpPr>
-        <p:spPr/>
-        <p:txBody>
-          <a:bodyPr/>
+        <p:spPr>
+          <a:xfrm>
+            <a:off x="457200" y="1600201"/>
+            <a:ext cx="8229600" cy="1828800"/>
+          </a:xfrm>
+        </p:spPr>
+        <p:txBody>
+          <a:bodyPr>
+            <a:normAutofit/>
+          </a:bodyPr>
           <a:lstStyle/>
           <a:p>
             <a:r>
-              <a:rPr lang="en-IN" dirty="0" smtClean="0"/>
-              <a:t>Slides presented at the TDU conference (July 2019) + Slides presented at </a:t>
-            </a:r>
-            <a:r>
-              <a:rPr lang="en-IN" dirty="0" err="1" smtClean="0"/>
-              <a:t>Pune</a:t>
-            </a:r>
-            <a:r>
-              <a:rPr lang="en-IN" dirty="0" smtClean="0"/>
-              <a:t> University (Nov 2019)</a:t>
-            </a:r>
-          </a:p>
-          <a:p>
-            <a:endParaRPr lang="en-IN" dirty="0" smtClean="0"/>
-          </a:p>
-          <a:p>
-            <a:r>
-              <a:rPr lang="en-IN" sz="1600" dirty="0" smtClean="0">
+              <a:rPr lang="en-IN" sz="2000" dirty="0" smtClean="0">
                 <a:hlinkClick r:id="rId3"/>
               </a:rPr>
-              <a:t>https://github.com/coursephd/PostgreSQL/blob/master/thesis/TDU-June2019/01TDU-June2019-SoftwareUse-Patterns.pptx</a:t>
-            </a:r>
-            <a:endParaRPr lang="en-IN" sz="1600" dirty="0" smtClean="0"/>
-          </a:p>
-          <a:p>
-            <a:r>
-              <a:rPr lang="en-IN" sz="1600" dirty="0" smtClean="0">
+              <a:t>https</a:t>
+            </a:r>
+            <a:r>
+              <a:rPr lang="en-IN" sz="2000" dirty="0" smtClean="0">
+                <a:hlinkClick r:id="rId3"/>
+              </a:rPr>
+              <a:t>://github.com/coursephd/PostgreSQL/blob/master/thesis/TDU-June2019/01TDU-June2019-SoftwareUse-Patterns.pptx</a:t>
+            </a:r>
+            <a:endParaRPr lang="en-IN" sz="2000" dirty="0" smtClean="0"/>
+          </a:p>
+          <a:p>
+            <a:r>
+              <a:rPr lang="en-IN" sz="2000" dirty="0" smtClean="0">
                 <a:hlinkClick r:id="rId4"/>
               </a:rPr>
               <a:t>https://github.com/coursephd/PostgreSQL/blob/master/thesis/Pune-Nov2019/01AYUSH-Pune-Nov2019.pptx</a:t>
             </a:r>
-            <a:endParaRPr lang="en-IN" sz="1600" dirty="0"/>
+            <a:endParaRPr lang="en-IN" sz="2000" dirty="0"/>
           </a:p>
         </p:txBody>
       </p:sp>
@@ -9213,11 +9284,7 @@
             </a:pPr>
             <a:r>
               <a:rPr lang="en-IN" dirty="0" smtClean="0"/>
-              <a:t>Sequence Pattern Mining Framework (SPMF) </a:t>
-            </a:r>
-            <a:r>
-              <a:rPr lang="en-IN" dirty="0" smtClean="0"/>
-              <a:t>algorithms</a:t>
+              <a:t>Sequence Pattern Mining Framework (SPMF) algorithms</a:t>
             </a:r>
           </a:p>
           <a:p>
@@ -9229,7 +9296,6 @@
               <a:rPr lang="en-IN" dirty="0" smtClean="0"/>
               <a:t>Visuals built using Java and d3js libraries</a:t>
             </a:r>
-            <a:endParaRPr lang="en-IN" dirty="0" smtClean="0"/>
           </a:p>
           <a:p>
             <a:pPr marL="514350" indent="-514350">

--- a/thesis/ThesisPresentation V1.0-WorkingCopy.pptx
+++ b/thesis/ThesisPresentation V1.0-WorkingCopy.pptx
@@ -5,22 +5,23 @@
     <p:sldMasterId id="2147483648" r:id="rId1"/>
   </p:sldMasterIdLst>
   <p:notesMasterIdLst>
-    <p:notesMasterId r:id="rId15"/>
+    <p:notesMasterId r:id="rId16"/>
   </p:notesMasterIdLst>
   <p:sldIdLst>
     <p:sldId id="256" r:id="rId2"/>
     <p:sldId id="257" r:id="rId3"/>
     <p:sldId id="258" r:id="rId4"/>
     <p:sldId id="259" r:id="rId5"/>
-    <p:sldId id="260" r:id="rId6"/>
-    <p:sldId id="261" r:id="rId7"/>
-    <p:sldId id="262" r:id="rId8"/>
-    <p:sldId id="263" r:id="rId9"/>
-    <p:sldId id="264" r:id="rId10"/>
-    <p:sldId id="265" r:id="rId11"/>
-    <p:sldId id="267" r:id="rId12"/>
-    <p:sldId id="268" r:id="rId13"/>
-    <p:sldId id="266" r:id="rId14"/>
+    <p:sldId id="267" r:id="rId6"/>
+    <p:sldId id="260" r:id="rId7"/>
+    <p:sldId id="261" r:id="rId8"/>
+    <p:sldId id="268" r:id="rId9"/>
+    <p:sldId id="262" r:id="rId10"/>
+    <p:sldId id="263" r:id="rId11"/>
+    <p:sldId id="264" r:id="rId12"/>
+    <p:sldId id="265" r:id="rId13"/>
+    <p:sldId id="269" r:id="rId14"/>
+    <p:sldId id="266" r:id="rId15"/>
   </p:sldIdLst>
   <p:sldSz cx="9144000" cy="6858000" type="screen4x3"/>
   <p:notesSz cx="6858000" cy="9144000"/>
@@ -119,7 +120,49 @@
       </a:defRPr>
     </a:lvl9pPr>
   </p:defaultTextStyle>
+  <p:extLst>
+    <p:ext uri="{EFAFB233-063F-42B5-8137-9DF3F51BA10A}">
+      <p15:sldGuideLst xmlns:p15="http://schemas.microsoft.com/office/powerpoint/2012/main">
+        <p15:guide id="1" orient="horz" pos="2160">
+          <p15:clr>
+            <a:srgbClr val="A4A3A4"/>
+          </p15:clr>
+        </p15:guide>
+        <p15:guide id="2" pos="2880">
+          <p15:clr>
+            <a:srgbClr val="A4A3A4"/>
+          </p15:clr>
+        </p15:guide>
+      </p15:sldGuideLst>
+    </p:ext>
+  </p:extLst>
 </p:presentation>
+</file>
+
+<file path=ppt/commentAuthors.xml><?xml version="1.0" encoding="utf-8"?>
+<p:cmAuthorLst xmlns:a="http://schemas.openxmlformats.org/drawingml/2006/main" xmlns:r="http://schemas.openxmlformats.org/officeDocument/2006/relationships" xmlns:p="http://schemas.openxmlformats.org/presentationml/2006/main">
+  <p:cmAuthor id="1" name="Mahajan, Vinay" initials="MV" lastIdx="1" clrIdx="0">
+    <p:extLst>
+      <p:ext uri="{19B8F6BF-5375-455C-9EA6-DF929625EA0E}">
+        <p15:presenceInfo xmlns:p15="http://schemas.microsoft.com/office/powerpoint/2012/main" userId="S-1-5-21-220523388-1563985344-839522115-179192" providerId="AD"/>
+      </p:ext>
+    </p:extLst>
+  </p:cmAuthor>
+</p:cmAuthorLst>
+</file>
+
+<file path=ppt/comments/comment1.xml><?xml version="1.0" encoding="utf-8"?>
+<p:cmLst xmlns:a="http://schemas.openxmlformats.org/drawingml/2006/main" xmlns:r="http://schemas.openxmlformats.org/officeDocument/2006/relationships" xmlns:p="http://schemas.openxmlformats.org/presentationml/2006/main">
+  <p:cm authorId="1" dt="2020-03-20T11:38:57.731" idx="1">
+    <p:pos x="5229" y="0"/>
+    <p:text/>
+    <p:extLst>
+      <p:ext uri="{C676402C-5697-4E1C-873F-D02D1690AC5C}">
+        <p15:threadingInfo xmlns:p15="http://schemas.microsoft.com/office/powerpoint/2012/main" timeZoneBias="-330"/>
+      </p:ext>
+    </p:extLst>
+  </p:cm>
+</p:cmLst>
 </file>
 
 <file path=ppt/notesMasters/notesMaster1.xml><?xml version="1.0" encoding="utf-8"?>
@@ -205,7 +248,7 @@
             <a:fld id="{5475D08A-A3E7-468D-B25F-56A8C1A55FA4}" type="datetimeFigureOut">
               <a:rPr lang="en-US" smtClean="0"/>
               <a:pPr/>
-              <a:t>1/4/2020</a:t>
+              <a:t>3/20/2020</a:t>
             </a:fld>
             <a:endParaRPr lang="en-IN"/>
           </a:p>
@@ -725,7 +768,7 @@
             <a:fld id="{04E6FAA2-A010-41F0-B4C9-4874C6F66C18}" type="slidenum">
               <a:rPr lang="en-IN" smtClean="0"/>
               <a:pPr/>
-              <a:t>7</a:t>
+              <a:t>9</a:t>
             </a:fld>
             <a:endParaRPr lang="en-IN"/>
           </a:p>
@@ -921,7 +964,7 @@
             <a:fld id="{13ED14C0-0590-4BCF-A2BF-D5E35D90D1B5}" type="datetime1">
               <a:rPr lang="en-US" smtClean="0"/>
               <a:pPr/>
-              <a:t>1/4/2020</a:t>
+              <a:t>3/20/2020</a:t>
             </a:fld>
             <a:endParaRPr lang="en-IN"/>
           </a:p>
@@ -1121,7 +1164,7 @@
             <a:fld id="{029A0199-58AE-4DE4-AFB2-A2ABA5EAB57B}" type="datetime1">
               <a:rPr lang="en-US" smtClean="0"/>
               <a:pPr/>
-              <a:t>1/4/2020</a:t>
+              <a:t>3/20/2020</a:t>
             </a:fld>
             <a:endParaRPr lang="en-IN"/>
           </a:p>
@@ -1298,7 +1341,7 @@
             <a:fld id="{500B125C-8A7E-41F9-8025-4D898F965B37}" type="datetime1">
               <a:rPr lang="en-US" smtClean="0"/>
               <a:pPr/>
-              <a:t>1/4/2020</a:t>
+              <a:t>3/20/2020</a:t>
             </a:fld>
             <a:endParaRPr lang="en-IN"/>
           </a:p>
@@ -1465,7 +1508,7 @@
             <a:fld id="{87CD8DF2-98B6-4E80-9D38-36DC8001AE63}" type="datetime1">
               <a:rPr lang="en-US" smtClean="0"/>
               <a:pPr/>
-              <a:t>1/4/2020</a:t>
+              <a:t>3/20/2020</a:t>
             </a:fld>
             <a:endParaRPr lang="en-IN"/>
           </a:p>
@@ -1708,7 +1751,7 @@
             <a:fld id="{7E1D402F-A897-41B7-941B-25AFD9808C21}" type="datetime1">
               <a:rPr lang="en-US" smtClean="0"/>
               <a:pPr/>
-              <a:t>1/4/2020</a:t>
+              <a:t>3/20/2020</a:t>
             </a:fld>
             <a:endParaRPr lang="en-IN"/>
           </a:p>
@@ -1993,7 +2036,7 @@
             <a:fld id="{51084BED-0295-41A8-9054-0FE538EDCB73}" type="datetime1">
               <a:rPr lang="en-US" smtClean="0"/>
               <a:pPr/>
-              <a:t>1/4/2020</a:t>
+              <a:t>3/20/2020</a:t>
             </a:fld>
             <a:endParaRPr lang="en-IN"/>
           </a:p>
@@ -2412,7 +2455,7 @@
             <a:fld id="{E81922EF-18FB-4FFD-AA3E-9F4D8DC6AC34}" type="datetime1">
               <a:rPr lang="en-US" smtClean="0"/>
               <a:pPr/>
-              <a:t>1/4/2020</a:t>
+              <a:t>3/20/2020</a:t>
             </a:fld>
             <a:endParaRPr lang="en-IN"/>
           </a:p>
@@ -2527,7 +2570,7 @@
             <a:fld id="{BBA7A0A7-7DC9-4816-9A02-6F6419EF6406}" type="datetime1">
               <a:rPr lang="en-US" smtClean="0"/>
               <a:pPr/>
-              <a:t>1/4/2020</a:t>
+              <a:t>3/20/2020</a:t>
             </a:fld>
             <a:endParaRPr lang="en-IN"/>
           </a:p>
@@ -2619,7 +2662,7 @@
             <a:fld id="{C4C2B463-DDCC-4352-9C6D-7FCDD1CCAB89}" type="datetime1">
               <a:rPr lang="en-US" smtClean="0"/>
               <a:pPr/>
-              <a:t>1/4/2020</a:t>
+              <a:t>3/20/2020</a:t>
             </a:fld>
             <a:endParaRPr lang="en-IN"/>
           </a:p>
@@ -2893,7 +2936,7 @@
             <a:fld id="{C09ACC42-816E-4477-8DBF-F1FC6F173BD1}" type="datetime1">
               <a:rPr lang="en-US" smtClean="0"/>
               <a:pPr/>
-              <a:t>1/4/2020</a:t>
+              <a:t>3/20/2020</a:t>
             </a:fld>
             <a:endParaRPr lang="en-IN"/>
           </a:p>
@@ -3143,7 +3186,7 @@
             <a:fld id="{AA2DE836-B689-4343-806B-EB82FF61CDC3}" type="datetime1">
               <a:rPr lang="en-US" smtClean="0"/>
               <a:pPr/>
-              <a:t>1/4/2020</a:t>
+              <a:t>3/20/2020</a:t>
             </a:fld>
             <a:endParaRPr lang="en-IN"/>
           </a:p>
@@ -3353,7 +3396,7 @@
             <a:fld id="{9A612963-3B7B-414A-BB97-F26A9A038459}" type="datetime1">
               <a:rPr lang="en-US" smtClean="0"/>
               <a:pPr/>
-              <a:t>1/4/2020</a:t>
+              <a:t>3/20/2020</a:t>
             </a:fld>
             <a:endParaRPr lang="en-IN"/>
           </a:p>
@@ -3971,11 +4014,15 @@
                 <a:spcPct val="0"/>
               </a:spcBef>
               <a:buFont typeface="+mj-lt"/>
-              <a:buAutoNum type="arabicPeriod" startAt="5"/>
+              <a:buAutoNum type="arabicPeriod" startAt="4"/>
             </a:pPr>
             <a:r>
               <a:rPr lang="en-IN" sz="3200" dirty="0" smtClean="0"/>
-              <a:t>Deep learning of EMR</a:t>
+              <a:t>(EHR / EMR): </a:t>
+            </a:r>
+            <a:r>
+              <a:rPr lang="en-IN" sz="2400" dirty="0" smtClean="0"/>
+              <a:t>Visual analytics</a:t>
             </a:r>
             <a:endParaRPr lang="en-IN" sz="3200" dirty="0"/>
           </a:p>
@@ -3993,8 +4040,8 @@
         </p:nvSpPr>
         <p:spPr>
           <a:xfrm>
-            <a:off x="214282" y="1000108"/>
-            <a:ext cx="8786842" cy="4525963"/>
+            <a:off x="342928" y="1000108"/>
+            <a:ext cx="8229600" cy="5357850"/>
           </a:xfrm>
         </p:spPr>
         <p:txBody>
@@ -4003,22 +4050,13 @@
           </a:bodyPr>
           <a:lstStyle/>
           <a:p>
-            <a:pPr>
-              <a:buNone/>
-            </a:pPr>
-            <a:r>
-              <a:rPr lang="en-IN" dirty="0" smtClean="0"/>
-              <a:t>Work in progress. 7 to 10 methods being worked on</a:t>
-            </a:r>
-          </a:p>
-          <a:p>
             <a:pPr marL="514350" indent="-514350">
               <a:buFont typeface="+mj-lt"/>
               <a:buAutoNum type="arabicPeriod"/>
             </a:pPr>
             <a:r>
-              <a:rPr lang="en-IN" dirty="0" smtClean="0"/>
-              <a:t>Word2Vec</a:t>
+              <a:rPr lang="en-IN" sz="2400" dirty="0" smtClean="0"/>
+              <a:t>Exploratory analysis to understand the underlying data</a:t>
             </a:r>
           </a:p>
           <a:p>
@@ -4027,10 +4065,9 @@
               <a:buAutoNum type="arabicPeriod"/>
             </a:pPr>
             <a:r>
-              <a:rPr lang="en-IN" dirty="0" err="1" smtClean="0"/>
-              <a:t>Fasttext</a:t>
-            </a:r>
-            <a:endParaRPr lang="en-IN" dirty="0" smtClean="0"/>
+              <a:rPr lang="en-IN" sz="2400" dirty="0" smtClean="0"/>
+              <a:t>Descriptive analysis of the data</a:t>
+            </a:r>
           </a:p>
           <a:p>
             <a:pPr marL="514350" indent="-514350">
@@ -4038,8 +4075,8 @@
               <a:buAutoNum type="arabicPeriod"/>
             </a:pPr>
             <a:r>
-              <a:rPr lang="en-IN" dirty="0" smtClean="0"/>
-              <a:t>Wang2vec</a:t>
+              <a:rPr lang="en-IN" sz="2400" dirty="0" smtClean="0"/>
+              <a:t>Patient profile views</a:t>
             </a:r>
           </a:p>
           <a:p>
@@ -4048,10 +4085,9 @@
               <a:buAutoNum type="arabicPeriod"/>
             </a:pPr>
             <a:r>
-              <a:rPr lang="en-IN" dirty="0" err="1" smtClean="0"/>
-              <a:t>mce</a:t>
-            </a:r>
-            <a:endParaRPr lang="en-IN" dirty="0" smtClean="0"/>
+              <a:rPr lang="en-IN" sz="2400" dirty="0" smtClean="0"/>
+              <a:t>Seasonal variations of diseases</a:t>
+            </a:r>
           </a:p>
           <a:p>
             <a:pPr marL="514350" indent="-514350">
@@ -4059,12 +4095,57 @@
               <a:buAutoNum type="arabicPeriod"/>
             </a:pPr>
             <a:r>
-              <a:rPr lang="en-IN" dirty="0" err="1" smtClean="0"/>
-              <a:t>textgenrnn</a:t>
-            </a:r>
-            <a:r>
-              <a:rPr lang="en-IN" dirty="0" smtClean="0"/>
-              <a:t> – Recurrent Neural Network</a:t>
+              <a:rPr lang="en-IN" sz="2400" dirty="0" smtClean="0"/>
+              <a:t>Disease specific analysis</a:t>
+            </a:r>
+          </a:p>
+          <a:p>
+            <a:pPr marL="914400" lvl="1" indent="-514350">
+              <a:buFont typeface="+mj-lt"/>
+              <a:buAutoNum type="arabicPeriod"/>
+            </a:pPr>
+            <a:r>
+              <a:rPr lang="en-IN" sz="2000" dirty="0" smtClean="0"/>
+              <a:t>Metabolic</a:t>
+            </a:r>
+          </a:p>
+          <a:p>
+            <a:pPr marL="914400" lvl="1" indent="-514350">
+              <a:buFont typeface="+mj-lt"/>
+              <a:buAutoNum type="arabicPeriod"/>
+            </a:pPr>
+            <a:r>
+              <a:rPr lang="en-IN" sz="2000" dirty="0" smtClean="0"/>
+              <a:t>RMSD</a:t>
+            </a:r>
+          </a:p>
+          <a:p>
+            <a:pPr marL="914400" lvl="1" indent="-514350">
+              <a:buFont typeface="+mj-lt"/>
+              <a:buAutoNum type="arabicPeriod"/>
+            </a:pPr>
+            <a:r>
+              <a:rPr lang="en-IN" sz="2000" dirty="0" err="1" smtClean="0"/>
+              <a:t>Vrikka</a:t>
+            </a:r>
+            <a:r>
+              <a:rPr lang="en-IN" sz="2000" dirty="0" smtClean="0"/>
+              <a:t> </a:t>
+            </a:r>
+            <a:r>
+              <a:rPr lang="en-IN" sz="2000" dirty="0" err="1" smtClean="0"/>
+              <a:t>roga</a:t>
+            </a:r>
+            <a:endParaRPr lang="en-IN" sz="2000" dirty="0" smtClean="0"/>
+          </a:p>
+          <a:p>
+            <a:pPr marL="914400" lvl="1" indent="-514350">
+              <a:buFont typeface="+mj-lt"/>
+              <a:buAutoNum type="arabicPeriod"/>
+            </a:pPr>
+            <a:r>
+              <a:rPr lang="en-IN" sz="2000" dirty="0" smtClean="0"/>
+              <a:t>Cancer</a:t>
             </a:r>
           </a:p>
           <a:p>
@@ -4073,8 +4154,8 @@
               <a:buAutoNum type="arabicPeriod"/>
             </a:pPr>
             <a:r>
-              <a:rPr lang="en-IN" dirty="0" smtClean="0"/>
-              <a:t>LSTM</a:t>
+              <a:rPr lang="en-IN" sz="2400" dirty="0" smtClean="0"/>
+              <a:t>Disease trajectory on human Body</a:t>
             </a:r>
           </a:p>
           <a:p>
@@ -4083,8 +4164,28 @@
               <a:buAutoNum type="arabicPeriod"/>
             </a:pPr>
             <a:r>
-              <a:rPr lang="en-IN" dirty="0" smtClean="0"/>
-              <a:t>Med2vec</a:t>
+              <a:rPr lang="en-IN" sz="2400" dirty="0" smtClean="0"/>
+              <a:t>Responder, Non-responder analysis</a:t>
+            </a:r>
+          </a:p>
+          <a:p>
+            <a:pPr marL="514350" indent="-514350">
+              <a:buFont typeface="+mj-lt"/>
+              <a:buAutoNum type="arabicPeriod"/>
+            </a:pPr>
+            <a:r>
+              <a:rPr lang="en-IN" sz="2400" dirty="0" smtClean="0"/>
+              <a:t>Collapsible network tree</a:t>
+            </a:r>
+          </a:p>
+          <a:p>
+            <a:pPr marL="514350" indent="-514350">
+              <a:buFont typeface="+mj-lt"/>
+              <a:buAutoNum type="arabicPeriod"/>
+            </a:pPr>
+            <a:r>
+              <a:rPr lang="en-IN" sz="2400" dirty="0" smtClean="0"/>
+              <a:t>Collapsible network diagram</a:t>
             </a:r>
           </a:p>
         </p:txBody>
@@ -4165,11 +4266,15 @@
                 <a:spcPct val="0"/>
               </a:spcBef>
               <a:buFont typeface="+mj-lt"/>
-              <a:buAutoNum type="arabicPeriod" startAt="5"/>
+              <a:buAutoNum type="arabicPeriod" startAt="4"/>
             </a:pPr>
             <a:r>
               <a:rPr lang="en-IN" sz="3200" dirty="0" smtClean="0"/>
-              <a:t>Deep learning of EMR cont’d</a:t>
+              <a:t>(EHR / EMR): </a:t>
+            </a:r>
+            <a:r>
+              <a:rPr lang="en-IN" sz="2400" dirty="0" smtClean="0"/>
+              <a:t>Before and after analysis</a:t>
             </a:r>
             <a:endParaRPr lang="en-IN" sz="3200" dirty="0"/>
           </a:p>
@@ -4187,54 +4292,97 @@
         </p:nvSpPr>
         <p:spPr>
           <a:xfrm>
-            <a:off x="214282" y="1000108"/>
-            <a:ext cx="8786842" cy="4525963"/>
+            <a:off x="342928" y="1214422"/>
+            <a:ext cx="8229600" cy="4525963"/>
           </a:xfrm>
         </p:spPr>
         <p:txBody>
           <a:bodyPr>
-            <a:noAutofit/>
+            <a:normAutofit/>
           </a:bodyPr>
           <a:lstStyle/>
           <a:p>
+            <a:pPr marL="514350" indent="-514350">
+              <a:buFont typeface="+mj-lt"/>
+              <a:buAutoNum type="arabicPeriod"/>
+            </a:pPr>
+            <a:r>
+              <a:rPr lang="en-IN" dirty="0"/>
+              <a:t>T</a:t>
+            </a:r>
             <a:r>
               <a:rPr lang="en-IN" dirty="0" smtClean="0"/>
-              <a:t>Visualization of the word embeddings using </a:t>
-            </a:r>
+              <a:t>abular view</a:t>
+            </a:r>
+          </a:p>
+          <a:p>
+            <a:pPr marL="514350" indent="-514350">
+              <a:buFont typeface="+mj-lt"/>
+              <a:buAutoNum type="arabicPeriod"/>
+            </a:pPr>
+            <a:r>
+              <a:rPr lang="en-IN" dirty="0" smtClean="0"/>
+              <a:t>Circular view</a:t>
+            </a:r>
+          </a:p>
+          <a:p>
+            <a:pPr marL="514350" indent="-514350">
+              <a:buFont typeface="+mj-lt"/>
+              <a:buAutoNum type="arabicPeriod"/>
+            </a:pPr>
+            <a:r>
+              <a:rPr lang="en-IN" dirty="0" smtClean="0"/>
+              <a:t>SPMF algorithms</a:t>
+            </a:r>
+          </a:p>
+          <a:p>
+            <a:pPr marL="514350" indent="-514350">
+              <a:buFont typeface="+mj-lt"/>
+              <a:buAutoNum type="arabicPeriod"/>
+            </a:pPr>
+            <a:r>
+              <a:rPr lang="en-IN" dirty="0" smtClean="0"/>
+              <a:t>Java visuals</a:t>
+            </a:r>
+          </a:p>
+          <a:p>
+            <a:pPr marL="514350" indent="-514350">
+              <a:buFont typeface="+mj-lt"/>
+              <a:buAutoNum type="arabicPeriod"/>
+            </a:pPr>
+            <a:r>
+              <a:rPr lang="en-IN" dirty="0" smtClean="0"/>
+              <a:t>Distance measures with time component</a:t>
+            </a:r>
+          </a:p>
+          <a:p>
+            <a:pPr marL="514350" indent="-514350">
+              <a:buFont typeface="+mj-lt"/>
+              <a:buAutoNum type="arabicPeriod"/>
+            </a:pPr>
+            <a:r>
+              <a:rPr lang="en-IN" dirty="0" smtClean="0"/>
+              <a:t>Distance measures without time component</a:t>
+            </a:r>
+          </a:p>
+          <a:p>
+            <a:pPr marL="514350" indent="-514350">
+              <a:buFont typeface="+mj-lt"/>
+              <a:buAutoNum type="arabicPeriod"/>
+            </a:pPr>
             <a:r>
               <a:rPr lang="en-IN" dirty="0" err="1" smtClean="0"/>
-              <a:t>TensorFlow</a:t>
+              <a:t>ComorBidity</a:t>
             </a:r>
             <a:r>
               <a:rPr lang="en-IN" dirty="0" smtClean="0"/>
-              <a:t> embedding projector, working link:</a:t>
-            </a:r>
-          </a:p>
-          <a:p>
-            <a:pPr lvl="1"/>
-            <a:r>
-              <a:rPr lang="en-IN" dirty="0" smtClean="0">
-                <a:hlinkClick r:id="rId2"/>
-              </a:rPr>
-              <a:t>Link to multiple tensor Projectors at one place for Diseases And Medicine</a:t>
-            </a:r>
-            <a:endParaRPr lang="en-IN" dirty="0" smtClean="0"/>
-          </a:p>
-          <a:p>
-            <a:r>
-              <a:rPr lang="en-IN" dirty="0" smtClean="0"/>
-              <a:t>Attempt to build, similar to, using our data: </a:t>
-            </a:r>
-            <a:r>
-              <a:rPr lang="en-IN" u="sng" dirty="0" smtClean="0">
-                <a:hlinkClick r:id="rId3"/>
-              </a:rPr>
-              <a:t>http://cui2vec.dbmi.hms.harvard.edu/</a:t>
-            </a:r>
-            <a:r>
-              <a:rPr lang="en-IN" dirty="0" smtClean="0"/>
-              <a:t>.</a:t>
-            </a:r>
+              <a:t> analysis</a:t>
+            </a:r>
+          </a:p>
+          <a:p>
+            <a:pPr>
+              <a:buNone/>
+            </a:pPr>
             <a:endParaRPr lang="en-IN" dirty="0"/>
           </a:p>
         </p:txBody>
@@ -4268,13 +4416,6 @@
   <p:clrMapOvr>
     <a:masterClrMapping/>
   </p:clrMapOvr>
-  <p:timing>
-    <p:tnLst>
-      <p:par>
-        <p:cTn id="1" dur="indefinite" restart="never" nodeType="tmRoot"/>
-      </p:par>
-    </p:tnLst>
-  </p:timing>
 </p:sld>
 </file>
 
@@ -4305,61 +4446,97 @@
             <p:ph type="title"/>
           </p:nvPr>
         </p:nvSpPr>
-        <p:spPr/>
+        <p:spPr>
+          <a:xfrm>
+            <a:off x="71406" y="-24"/>
+            <a:ext cx="8229600" cy="1143000"/>
+          </a:xfrm>
+        </p:spPr>
+        <p:txBody>
+          <a:bodyPr>
+            <a:noAutofit/>
+          </a:bodyPr>
+          <a:lstStyle/>
+          <a:p>
+            <a:pPr marL="742950" lvl="1" indent="-742950" algn="l" rtl="0">
+              <a:spcBef>
+                <a:spcPct val="0"/>
+              </a:spcBef>
+              <a:buFont typeface="+mj-lt"/>
+              <a:buAutoNum type="arabicPeriod" startAt="5"/>
+            </a:pPr>
+            <a:r>
+              <a:rPr lang="en-IN" sz="3200" dirty="0" smtClean="0"/>
+              <a:t>Deep learning of EMR</a:t>
+            </a:r>
+            <a:endParaRPr lang="en-IN" sz="3200" dirty="0"/>
+          </a:p>
+        </p:txBody>
+      </p:sp>
+      <p:sp>
+        <p:nvSpPr>
+          <p:cNvPr id="3" name="Content Placeholder 2"/>
+          <p:cNvSpPr>
+            <a:spLocks noGrp="1"/>
+          </p:cNvSpPr>
+          <p:nvPr>
+            <p:ph idx="1"/>
+          </p:nvPr>
+        </p:nvSpPr>
+        <p:spPr>
+          <a:xfrm>
+            <a:off x="395536" y="1162432"/>
+            <a:ext cx="8229600" cy="4525963"/>
+          </a:xfrm>
+        </p:spPr>
         <p:txBody>
           <a:bodyPr/>
           <a:lstStyle/>
           <a:p>
             <a:r>
               <a:rPr lang="en-IN" dirty="0" smtClean="0"/>
-              <a:t>Talks at conferences</a:t>
-            </a:r>
-            <a:endParaRPr lang="en-IN" dirty="0"/>
-          </a:p>
-        </p:txBody>
-      </p:sp>
-      <p:sp>
-        <p:nvSpPr>
-          <p:cNvPr id="3" name="Content Placeholder 2"/>
-          <p:cNvSpPr>
-            <a:spLocks noGrp="1"/>
-          </p:cNvSpPr>
-          <p:nvPr>
-            <p:ph idx="1"/>
-          </p:nvPr>
-        </p:nvSpPr>
-        <p:spPr/>
-        <p:txBody>
-          <a:bodyPr/>
-          <a:lstStyle/>
+              <a:t>Natural Language Processing</a:t>
+            </a:r>
+          </a:p>
           <a:p>
             <a:r>
               <a:rPr lang="en-IN" dirty="0" smtClean="0"/>
-              <a:t>Presentation at the World Ayurveda conference in Ahmadabad 2018</a:t>
-            </a:r>
-          </a:p>
-          <a:p>
+              <a:t>Word2vec, </a:t>
+            </a:r>
+            <a:r>
+              <a:rPr lang="en-IN" dirty="0" err="1" smtClean="0"/>
+              <a:t>fasttext</a:t>
+            </a:r>
             <a:r>
               <a:rPr lang="en-IN" dirty="0" smtClean="0"/>
-              <a:t>2 day work shop at the TDU conference in July 2019 </a:t>
+              <a:t>, etc. algorithms</a:t>
             </a:r>
           </a:p>
           <a:p>
             <a:r>
               <a:rPr lang="en-IN" dirty="0" smtClean="0"/>
-              <a:t>Presentation at ‘AYUSH for Future Health Challenges - Strengthening trans-disciplinary research</a:t>
-            </a:r>
+              <a:t>Visualizations of word embeddings</a:t>
+            </a:r>
+          </a:p>
+          <a:p>
             <a:r>
               <a:rPr lang="en-IN" dirty="0" smtClean="0"/>
-              <a:t>’, </a:t>
-            </a:r>
+              <a:t>Predictions:</a:t>
+            </a:r>
+          </a:p>
+          <a:p>
+            <a:pPr lvl="1"/>
             <a:r>
               <a:rPr lang="en-IN" dirty="0" smtClean="0"/>
-              <a:t>Pune University, Nov 2019</a:t>
-            </a:r>
-          </a:p>
-          <a:p>
-            <a:endParaRPr lang="en-IN" dirty="0"/>
+              <a:t>Next disease</a:t>
+            </a:r>
+          </a:p>
+          <a:p>
+            <a:pPr lvl="1"/>
+            <a:r>
+              <a:rPr lang="en-IN" dirty="0" smtClean="0"/>
+              <a:t>Next treatment</a:t>
+            </a:r>
           </a:p>
         </p:txBody>
       </p:sp>
@@ -4422,6 +4599,194 @@
             <p:ph type="title"/>
           </p:nvPr>
         </p:nvSpPr>
+        <p:spPr/>
+        <p:txBody>
+          <a:bodyPr>
+            <a:normAutofit/>
+          </a:bodyPr>
+          <a:lstStyle/>
+          <a:p>
+            <a:r>
+              <a:rPr lang="en-US" sz="3200" dirty="0"/>
+              <a:t>Attached </a:t>
+            </a:r>
+            <a:r>
+              <a:rPr lang="en-US" sz="3200" dirty="0" smtClean="0"/>
+              <a:t>paper04 </a:t>
+            </a:r>
+            <a:r>
+              <a:rPr lang="en-US" sz="3200" dirty="0"/>
+              <a:t>ongoing work:</a:t>
+            </a:r>
+          </a:p>
+        </p:txBody>
+      </p:sp>
+      <p:sp>
+        <p:nvSpPr>
+          <p:cNvPr id="3" name="Content Placeholder 2"/>
+          <p:cNvSpPr>
+            <a:spLocks noGrp="1"/>
+          </p:cNvSpPr>
+          <p:nvPr>
+            <p:ph idx="1"/>
+          </p:nvPr>
+        </p:nvSpPr>
+        <p:spPr/>
+        <p:txBody>
+          <a:bodyPr/>
+          <a:lstStyle/>
+          <a:p>
+            <a:pPr marL="0" indent="0">
+              <a:buNone/>
+            </a:pPr>
+            <a:r>
+              <a:rPr lang="en-IN" dirty="0" smtClean="0"/>
+              <a:t>Title: </a:t>
+            </a:r>
+            <a:r>
+              <a:rPr lang="en-US" dirty="0" smtClean="0"/>
+              <a:t>Not yet decided – use of Natural Language Processing,  word embeddings and deep learning for Ayurvedic EMR data</a:t>
+            </a:r>
+          </a:p>
+          <a:p>
+            <a:pPr marL="0" indent="0">
+              <a:buNone/>
+            </a:pPr>
+            <a:endParaRPr lang="en-US" dirty="0"/>
+          </a:p>
+          <a:p>
+            <a:pPr marL="0" indent="0">
+              <a:buNone/>
+            </a:pPr>
+            <a:r>
+              <a:rPr lang="en-US" dirty="0" smtClean="0"/>
+              <a:t>Paper, at this point collection of thoughts: </a:t>
+            </a:r>
+            <a:endParaRPr lang="en-US" dirty="0"/>
+          </a:p>
+        </p:txBody>
+      </p:sp>
+      <p:sp>
+        <p:nvSpPr>
+          <p:cNvPr id="4" name="Slide Number Placeholder 3"/>
+          <p:cNvSpPr>
+            <a:spLocks noGrp="1"/>
+          </p:cNvSpPr>
+          <p:nvPr>
+            <p:ph type="sldNum" sz="quarter" idx="12"/>
+          </p:nvPr>
+        </p:nvSpPr>
+        <p:spPr/>
+        <p:txBody>
+          <a:bodyPr/>
+          <a:lstStyle/>
+          <a:p>
+            <a:fld id="{683A73A5-E307-49AE-B713-67FB3933783B}" type="slidenum">
+              <a:rPr lang="en-IN" smtClean="0"/>
+              <a:pPr/>
+              <a:t>13</a:t>
+            </a:fld>
+            <a:endParaRPr lang="en-IN"/>
+          </a:p>
+        </p:txBody>
+      </p:sp>
+      <p:graphicFrame>
+        <p:nvGraphicFramePr>
+          <p:cNvPr id="5" name="Object 4"/>
+          <p:cNvGraphicFramePr>
+            <a:graphicFrameLocks noChangeAspect="1"/>
+          </p:cNvGraphicFramePr>
+          <p:nvPr>
+            <p:extLst>
+              <p:ext uri="{D42A27DB-BD31-4B8C-83A1-F6EECF244321}">
+                <p14:modId xmlns:p14="http://schemas.microsoft.com/office/powerpoint/2010/main" val="218202865"/>
+              </p:ext>
+            </p:extLst>
+          </p:nvPr>
+        </p:nvGraphicFramePr>
+        <p:xfrm>
+          <a:off x="3275856" y="4797152"/>
+          <a:ext cx="914400" cy="792163"/>
+        </p:xfrm>
+        <a:graphic>
+          <a:graphicData uri="http://schemas.openxmlformats.org/presentationml/2006/ole">
+            <mc:AlternateContent xmlns:mc="http://schemas.openxmlformats.org/markup-compatibility/2006">
+              <mc:Choice xmlns:v="urn:schemas-microsoft-com:vml" Requires="v">
+                <p:oleObj spid="_x0000_s4098" name="Document" showAsIcon="1" r:id="rId3" imgW="914400" imgH="792360" progId="Word.Document.12">
+                  <p:embed/>
+                </p:oleObj>
+              </mc:Choice>
+              <mc:Fallback>
+                <p:oleObj name="Document" showAsIcon="1" r:id="rId3" imgW="914400" imgH="792360" progId="Word.Document.12">
+                  <p:embed/>
+                  <p:pic>
+                    <p:nvPicPr>
+                      <p:cNvPr id="0" name=""/>
+                      <p:cNvPicPr/>
+                      <p:nvPr/>
+                    </p:nvPicPr>
+                    <p:blipFill>
+                      <a:blip r:embed="rId4"/>
+                      <a:stretch>
+                        <a:fillRect/>
+                      </a:stretch>
+                    </p:blipFill>
+                    <p:spPr>
+                      <a:xfrm>
+                        <a:off x="3275856" y="4797152"/>
+                        <a:ext cx="914400" cy="792163"/>
+                      </a:xfrm>
+                      <a:prstGeom prst="rect">
+                        <a:avLst/>
+                      </a:prstGeom>
+                    </p:spPr>
+                  </p:pic>
+                </p:oleObj>
+              </mc:Fallback>
+            </mc:AlternateContent>
+          </a:graphicData>
+        </a:graphic>
+      </p:graphicFrame>
+    </p:spTree>
+    <p:extLst>
+      <p:ext uri="{BB962C8B-B14F-4D97-AF65-F5344CB8AC3E}">
+        <p14:creationId xmlns:p14="http://schemas.microsoft.com/office/powerpoint/2010/main" val="3581583585"/>
+      </p:ext>
+    </p:extLst>
+  </p:cSld>
+  <p:clrMapOvr>
+    <a:masterClrMapping/>
+  </p:clrMapOvr>
+</p:sld>
+</file>
+
+<file path=ppt/slides/slide14.xml><?xml version="1.0" encoding="utf-8"?>
+<p:sld xmlns:a="http://schemas.openxmlformats.org/drawingml/2006/main" xmlns:r="http://schemas.openxmlformats.org/officeDocument/2006/relationships" xmlns:p="http://schemas.openxmlformats.org/presentationml/2006/main">
+  <p:cSld>
+    <p:spTree>
+      <p:nvGrpSpPr>
+        <p:cNvPr id="1" name=""/>
+        <p:cNvGrpSpPr/>
+        <p:nvPr/>
+      </p:nvGrpSpPr>
+      <p:grpSpPr>
+        <a:xfrm>
+          <a:off x="0" y="0"/>
+          <a:ext cx="0" cy="0"/>
+          <a:chOff x="0" y="0"/>
+          <a:chExt cx="0" cy="0"/>
+        </a:xfrm>
+      </p:grpSpPr>
+      <p:sp>
+        <p:nvSpPr>
+          <p:cNvPr id="2" name="Title 1"/>
+          <p:cNvSpPr>
+            <a:spLocks noGrp="1"/>
+          </p:cNvSpPr>
+          <p:nvPr>
+            <p:ph type="title"/>
+          </p:nvPr>
+        </p:nvSpPr>
         <p:spPr>
           <a:xfrm>
             <a:off x="71406" y="-24"/>
@@ -4467,7 +4832,7 @@
             <a:fld id="{683A73A5-E307-49AE-B713-67FB3933783B}" type="slidenum">
               <a:rPr lang="en-IN" smtClean="0"/>
               <a:pPr/>
-              <a:t>13</a:t>
+              <a:t>14</a:t>
             </a:fld>
             <a:endParaRPr lang="en-IN"/>
           </a:p>
@@ -4526,13 +4891,6 @@
   <p:clrMapOvr>
     <a:masterClrMapping/>
   </p:clrMapOvr>
-  <p:timing>
-    <p:tnLst>
-      <p:par>
-        <p:cTn id="1" dur="indefinite" restart="never" nodeType="tmRoot"/>
-      </p:par>
-    </p:tnLst>
-  </p:timing>
 </p:sld>
 </file>
 
@@ -4842,10 +5200,34 @@
             <a:tbl>
               <a:tblPr/>
               <a:tblGrid>
-                <a:gridCol w="2107421"/>
-                <a:gridCol w="2107421"/>
-                <a:gridCol w="2107421"/>
-                <a:gridCol w="2107421"/>
+                <a:gridCol w="2107421">
+                  <a:extLst>
+                    <a:ext uri="{9D8B030D-6E8A-4147-A177-3AD203B41FA5}">
+                      <a16:colId xmlns:a16="http://schemas.microsoft.com/office/drawing/2014/main" val="20000"/>
+                    </a:ext>
+                  </a:extLst>
+                </a:gridCol>
+                <a:gridCol w="2107421">
+                  <a:extLst>
+                    <a:ext uri="{9D8B030D-6E8A-4147-A177-3AD203B41FA5}">
+                      <a16:colId xmlns:a16="http://schemas.microsoft.com/office/drawing/2014/main" val="20001"/>
+                    </a:ext>
+                  </a:extLst>
+                </a:gridCol>
+                <a:gridCol w="2107421">
+                  <a:extLst>
+                    <a:ext uri="{9D8B030D-6E8A-4147-A177-3AD203B41FA5}">
+                      <a16:colId xmlns:a16="http://schemas.microsoft.com/office/drawing/2014/main" val="20002"/>
+                    </a:ext>
+                  </a:extLst>
+                </a:gridCol>
+                <a:gridCol w="2107421">
+                  <a:extLst>
+                    <a:ext uri="{9D8B030D-6E8A-4147-A177-3AD203B41FA5}">
+                      <a16:colId xmlns:a16="http://schemas.microsoft.com/office/drawing/2014/main" val="20003"/>
+                    </a:ext>
+                  </a:extLst>
+                </a:gridCol>
               </a:tblGrid>
               <a:tr h="221129">
                 <a:tc>
@@ -5059,6 +5441,11 @@
                     </a:lnB>
                   </a:tcPr>
                 </a:tc>
+                <a:extLst>
+                  <a:ext uri="{0D108BD9-81ED-4DB2-BD59-A6C34878D82A}">
+                    <a16:rowId xmlns:a16="http://schemas.microsoft.com/office/drawing/2014/main" val="10000"/>
+                  </a:ext>
+                </a:extLst>
               </a:tr>
               <a:tr h="443730">
                 <a:tc>
@@ -5335,6 +5722,11 @@
                     </a:lnB>
                   </a:tcPr>
                 </a:tc>
+                <a:extLst>
+                  <a:ext uri="{0D108BD9-81ED-4DB2-BD59-A6C34878D82A}">
+                    <a16:rowId xmlns:a16="http://schemas.microsoft.com/office/drawing/2014/main" val="10001"/>
+                  </a:ext>
+                </a:extLst>
               </a:tr>
               <a:tr h="443730">
                 <a:tc>
@@ -5605,6 +5997,11 @@
                     </a:lnB>
                   </a:tcPr>
                 </a:tc>
+                <a:extLst>
+                  <a:ext uri="{0D108BD9-81ED-4DB2-BD59-A6C34878D82A}">
+                    <a16:rowId xmlns:a16="http://schemas.microsoft.com/office/drawing/2014/main" val="10002"/>
+                  </a:ext>
+                </a:extLst>
               </a:tr>
               <a:tr h="443730">
                 <a:tc>
@@ -5878,6 +6275,11 @@
                     </a:lnB>
                   </a:tcPr>
                 </a:tc>
+                <a:extLst>
+                  <a:ext uri="{0D108BD9-81ED-4DB2-BD59-A6C34878D82A}">
+                    <a16:rowId xmlns:a16="http://schemas.microsoft.com/office/drawing/2014/main" val="10003"/>
+                  </a:ext>
+                </a:extLst>
               </a:tr>
               <a:tr h="313995">
                 <a:tc>
@@ -6157,6 +6559,11 @@
                     </a:solidFill>
                   </a:tcPr>
                 </a:tc>
+                <a:extLst>
+                  <a:ext uri="{0D108BD9-81ED-4DB2-BD59-A6C34878D82A}">
+                    <a16:rowId xmlns:a16="http://schemas.microsoft.com/office/drawing/2014/main" val="10004"/>
+                  </a:ext>
+                </a:extLst>
               </a:tr>
               <a:tr h="443730">
                 <a:tc>
@@ -6430,6 +6837,11 @@
                     </a:lnB>
                   </a:tcPr>
                 </a:tc>
+                <a:extLst>
+                  <a:ext uri="{0D108BD9-81ED-4DB2-BD59-A6C34878D82A}">
+                    <a16:rowId xmlns:a16="http://schemas.microsoft.com/office/drawing/2014/main" val="10005"/>
+                  </a:ext>
+                </a:extLst>
               </a:tr>
               <a:tr h="313995">
                 <a:tc>
@@ -6692,6 +7104,11 @@
                     </a:lnB>
                   </a:tcPr>
                 </a:tc>
+                <a:extLst>
+                  <a:ext uri="{0D108BD9-81ED-4DB2-BD59-A6C34878D82A}">
+                    <a16:rowId xmlns:a16="http://schemas.microsoft.com/office/drawing/2014/main" val="10006"/>
+                  </a:ext>
+                </a:extLst>
               </a:tr>
               <a:tr h="443730">
                 <a:tc>
@@ -6960,6 +7377,11 @@
                     </a:solidFill>
                   </a:tcPr>
                 </a:tc>
+                <a:extLst>
+                  <a:ext uri="{0D108BD9-81ED-4DB2-BD59-A6C34878D82A}">
+                    <a16:rowId xmlns:a16="http://schemas.microsoft.com/office/drawing/2014/main" val="10007"/>
+                  </a:ext>
+                </a:extLst>
               </a:tr>
               <a:tr h="443730">
                 <a:tc>
@@ -7222,6 +7644,11 @@
                     </a:lnB>
                   </a:tcPr>
                 </a:tc>
+                <a:extLst>
+                  <a:ext uri="{0D108BD9-81ED-4DB2-BD59-A6C34878D82A}">
+                    <a16:rowId xmlns:a16="http://schemas.microsoft.com/office/drawing/2014/main" val="10008"/>
+                  </a:ext>
+                </a:extLst>
               </a:tr>
               <a:tr h="573463">
                 <a:tc>
@@ -7484,6 +7911,11 @@
                     </a:lnB>
                   </a:tcPr>
                 </a:tc>
+                <a:extLst>
+                  <a:ext uri="{0D108BD9-81ED-4DB2-BD59-A6C34878D82A}">
+                    <a16:rowId xmlns:a16="http://schemas.microsoft.com/office/drawing/2014/main" val="10009"/>
+                  </a:ext>
+                </a:extLst>
               </a:tr>
               <a:tr h="313995">
                 <a:tc>
@@ -7743,6 +8175,11 @@
                     </a:lnB>
                   </a:tcPr>
                 </a:tc>
+                <a:extLst>
+                  <a:ext uri="{0D108BD9-81ED-4DB2-BD59-A6C34878D82A}">
+                    <a16:rowId xmlns:a16="http://schemas.microsoft.com/office/drawing/2014/main" val="10010"/>
+                  </a:ext>
+                </a:extLst>
               </a:tr>
               <a:tr h="443730">
                 <a:tc>
@@ -8008,6 +8445,11 @@
                     </a:solidFill>
                   </a:tcPr>
                 </a:tc>
+                <a:extLst>
+                  <a:ext uri="{0D108BD9-81ED-4DB2-BD59-A6C34878D82A}">
+                    <a16:rowId xmlns:a16="http://schemas.microsoft.com/office/drawing/2014/main" val="10011"/>
+                  </a:ext>
+                </a:extLst>
               </a:tr>
               <a:tr h="443730">
                 <a:tc>
@@ -8259,6 +8701,11 @@
                     </a:lnB>
                   </a:tcPr>
                 </a:tc>
+                <a:extLst>
+                  <a:ext uri="{0D108BD9-81ED-4DB2-BD59-A6C34878D82A}">
+                    <a16:rowId xmlns:a16="http://schemas.microsoft.com/office/drawing/2014/main" val="10012"/>
+                  </a:ext>
+                </a:extLst>
               </a:tr>
             </a:tbl>
           </a:graphicData>
@@ -8358,7 +8805,7 @@
         <p:nvGraphicFramePr>
           <p:cNvPr id="5" name="Content Placeholder 4"/>
           <p:cNvGraphicFramePr>
-            <a:graphicFrameLocks noChangeAspect="1"/>
+            <a:graphicFrameLocks noGrp="1" noChangeAspect="1"/>
           </p:cNvGraphicFramePr>
           <p:nvPr>
             <p:ph idx="1"/>
@@ -8370,9 +8817,59 @@
         </p:xfrm>
         <a:graphic>
           <a:graphicData uri="http://schemas.openxmlformats.org/presentationml/2006/ole">
-            <p:oleObj spid="_x0000_s1026" name="Acrobat Document" showAsIcon="1" r:id="rId3" imgW="914400" imgH="771480" progId="AcroExch.Document.DC">
-              <p:embed/>
-            </p:oleObj>
+            <mc:AlternateContent xmlns:mc="http://schemas.openxmlformats.org/markup-compatibility/2006">
+              <mc:Choice xmlns:v="urn:schemas-microsoft-com:vml" Requires="v">
+                <p:oleObj spid="_x0000_s1034" name="Acrobat Document" showAsIcon="1" r:id="rId3" imgW="914400" imgH="771480" progId="AcroExch.Document.DC">
+                  <p:embed/>
+                </p:oleObj>
+              </mc:Choice>
+              <mc:Fallback>
+                <p:oleObj name="Acrobat Document" showAsIcon="1" r:id="rId3" imgW="914400" imgH="771480" progId="AcroExch.Document.DC">
+                  <p:embed/>
+                  <p:pic>
+                    <p:nvPicPr>
+                      <p:cNvPr id="0" name="Content Placeholder 4"/>
+                      <p:cNvPicPr>
+                        <a:picLocks noChangeAspect="1" noChangeArrowheads="1"/>
+                      </p:cNvPicPr>
+                      <p:nvPr/>
+                    </p:nvPicPr>
+                    <p:blipFill>
+                      <a:blip r:embed="rId4">
+                        <a:extLst>
+                          <a:ext uri="{28A0092B-C50C-407E-A947-70E740481C1C}">
+                            <a14:useLocalDpi xmlns:a14="http://schemas.microsoft.com/office/drawing/2010/main" val="0"/>
+                          </a:ext>
+                        </a:extLst>
+                      </a:blip>
+                      <a:srcRect/>
+                      <a:stretch>
+                        <a:fillRect/>
+                      </a:stretch>
+                    </p:blipFill>
+                    <p:spPr bwMode="auto">
+                      <a:xfrm>
+                        <a:off x="928662" y="1785926"/>
+                        <a:ext cx="1357322" cy="1145240"/>
+                      </a:xfrm>
+                      <a:prstGeom prst="rect">
+                        <a:avLst/>
+                      </a:prstGeom>
+                      <a:noFill/>
+                      <a:extLst>
+                        <a:ext uri="{909E8E84-426E-40DD-AFC4-6F175D3DCCD1}">
+                          <a14:hiddenFill xmlns:a14="http://schemas.microsoft.com/office/drawing/2010/main">
+                            <a:solidFill>
+                              <a:srgbClr val="FFFFFF"/>
+                            </a:solidFill>
+                          </a14:hiddenFill>
+                        </a:ext>
+                      </a:extLst>
+                    </p:spPr>
+                  </p:pic>
+                </p:oleObj>
+              </mc:Fallback>
+            </mc:AlternateContent>
           </a:graphicData>
         </a:graphic>
       </p:graphicFrame>
@@ -8390,12 +8887,92 @@
         </p:xfrm>
         <a:graphic>
           <a:graphicData uri="http://schemas.openxmlformats.org/presentationml/2006/ole">
-            <p:oleObj spid="_x0000_s1027" name="Acrobat Document" showAsIcon="1" r:id="rId4" imgW="914400" imgH="771480" progId="AcroExch.Document.DC">
-              <p:embed/>
-            </p:oleObj>
+            <mc:AlternateContent xmlns:mc="http://schemas.openxmlformats.org/markup-compatibility/2006">
+              <mc:Choice xmlns:v="urn:schemas-microsoft-com:vml" Requires="v">
+                <p:oleObj spid="_x0000_s1035" name="Acrobat Document" showAsIcon="1" r:id="rId5" imgW="914400" imgH="771480" progId="AcroExch.Document.DC">
+                  <p:embed/>
+                </p:oleObj>
+              </mc:Choice>
+              <mc:Fallback>
+                <p:oleObj name="Acrobat Document" showAsIcon="1" r:id="rId5" imgW="914400" imgH="771480" progId="AcroExch.Document.DC">
+                  <p:embed/>
+                  <p:pic>
+                    <p:nvPicPr>
+                      <p:cNvPr id="0" name="Picture 3"/>
+                      <p:cNvPicPr>
+                        <a:picLocks noChangeAspect="1" noChangeArrowheads="1"/>
+                      </p:cNvPicPr>
+                      <p:nvPr/>
+                    </p:nvPicPr>
+                    <p:blipFill>
+                      <a:blip r:embed="rId6">
+                        <a:extLst>
+                          <a:ext uri="{28A0092B-C50C-407E-A947-70E740481C1C}">
+                            <a14:useLocalDpi xmlns:a14="http://schemas.microsoft.com/office/drawing/2010/main" val="0"/>
+                          </a:ext>
+                        </a:extLst>
+                      </a:blip>
+                      <a:srcRect/>
+                      <a:stretch>
+                        <a:fillRect/>
+                      </a:stretch>
+                    </p:blipFill>
+                    <p:spPr bwMode="auto">
+                      <a:xfrm>
+                        <a:off x="1071538" y="3357562"/>
+                        <a:ext cx="1285884" cy="1084965"/>
+                      </a:xfrm>
+                      <a:prstGeom prst="rect">
+                        <a:avLst/>
+                      </a:prstGeom>
+                      <a:noFill/>
+                      <a:extLst>
+                        <a:ext uri="{909E8E84-426E-40DD-AFC4-6F175D3DCCD1}">
+                          <a14:hiddenFill xmlns:a14="http://schemas.microsoft.com/office/drawing/2010/main">
+                            <a:solidFill>
+                              <a:srgbClr val="FFFFFF"/>
+                            </a:solidFill>
+                          </a14:hiddenFill>
+                        </a:ext>
+                      </a:extLst>
+                    </p:spPr>
+                  </p:pic>
+                </p:oleObj>
+              </mc:Fallback>
+            </mc:AlternateContent>
           </a:graphicData>
         </a:graphic>
       </p:graphicFrame>
+      <p:sp>
+        <p:nvSpPr>
+          <p:cNvPr id="3" name="TextBox 2"/>
+          <p:cNvSpPr txBox="1"/>
+          <p:nvPr/>
+        </p:nvSpPr>
+        <p:spPr>
+          <a:xfrm>
+            <a:off x="3347864" y="1844824"/>
+            <a:ext cx="4824536" cy="923330"/>
+          </a:xfrm>
+          <a:prstGeom prst="rect">
+            <a:avLst/>
+          </a:prstGeom>
+          <a:noFill/>
+        </p:spPr>
+        <p:txBody>
+          <a:bodyPr wrap="square" rtlCol="0">
+            <a:spAutoFit/>
+          </a:bodyPr>
+          <a:lstStyle/>
+          <a:p>
+            <a:r>
+              <a:rPr lang="en-US" dirty="0" smtClean="0"/>
+              <a:t>The journal has rejected this paper, use this information to show the current status of clinical trials within Ayurveda</a:t>
+            </a:r>
+            <a:endParaRPr lang="en-US" dirty="0"/>
+          </a:p>
+        </p:txBody>
+      </p:sp>
     </p:spTree>
   </p:cSld>
   <p:clrMapOvr>
@@ -8438,27 +9015,18 @@
             <p:ph type="title"/>
           </p:nvPr>
         </p:nvSpPr>
-        <p:spPr>
-          <a:xfrm>
-            <a:off x="71406" y="-24"/>
-            <a:ext cx="8229600" cy="642942"/>
-          </a:xfrm>
-        </p:spPr>
+        <p:spPr/>
         <p:txBody>
           <a:bodyPr>
-            <a:noAutofit/>
+            <a:normAutofit/>
           </a:bodyPr>
           <a:lstStyle/>
           <a:p>
-            <a:pPr marL="742950" indent="-742950" algn="l">
-              <a:buFont typeface="+mj-lt"/>
-              <a:buAutoNum type="arabicPeriod" startAt="3"/>
-            </a:pPr>
-            <a:r>
-              <a:rPr lang="en-IN" sz="3200" dirty="0" smtClean="0"/>
-              <a:t>Importance of real world evidence</a:t>
-            </a:r>
-            <a:endParaRPr lang="en-IN" sz="3200" dirty="0"/>
+            <a:r>
+              <a:rPr lang="en-US" sz="3200" dirty="0" smtClean="0"/>
+              <a:t>Paper02 submitted – JAIM, Jan2020</a:t>
+            </a:r>
+            <a:endParaRPr lang="en-US" sz="3200" dirty="0"/>
           </a:p>
         </p:txBody>
       </p:sp>
@@ -8472,27 +9040,46 @@
             <p:ph idx="1"/>
           </p:nvPr>
         </p:nvSpPr>
-        <p:spPr>
-          <a:xfrm>
-            <a:off x="142844" y="785794"/>
-            <a:ext cx="8229600" cy="4525963"/>
-          </a:xfrm>
-        </p:spPr>
+        <p:spPr/>
         <p:txBody>
           <a:bodyPr/>
           <a:lstStyle/>
           <a:p>
-            <a:r>
-              <a:rPr lang="en-IN" dirty="0" smtClean="0"/>
-              <a:t>Long term treatment effects and side effects</a:t>
-            </a:r>
-          </a:p>
-          <a:p>
-            <a:r>
-              <a:rPr lang="en-IN" smtClean="0"/>
-              <a:t>Target trials</a:t>
-            </a:r>
-            <a:endParaRPr lang="en-IN" dirty="0"/>
+            <a:pPr marL="0" indent="0">
+              <a:buNone/>
+            </a:pPr>
+            <a:r>
+              <a:rPr lang="en-US" dirty="0"/>
+              <a:t>Analysis of HMIS data with standard software tools to generate insightful </a:t>
+            </a:r>
+            <a:r>
+              <a:rPr lang="en-US" dirty="0" smtClean="0"/>
+              <a:t>empirical evidence </a:t>
+            </a:r>
+            <a:r>
+              <a:rPr lang="en-US" dirty="0"/>
+              <a:t>of Ayurveda practice in a University </a:t>
+            </a:r>
+            <a:r>
+              <a:rPr lang="en-US" dirty="0" smtClean="0"/>
+              <a:t>hospital</a:t>
+            </a:r>
+          </a:p>
+          <a:p>
+            <a:pPr marL="0" indent="0">
+              <a:buNone/>
+            </a:pPr>
+            <a:endParaRPr lang="en-US" dirty="0"/>
+          </a:p>
+          <a:p>
+            <a:pPr marL="0" indent="0">
+              <a:buNone/>
+            </a:pPr>
+            <a:r>
+              <a:rPr lang="en-US" dirty="0" smtClean="0"/>
+              <a:t>Attached package of manuscript:</a:t>
+            </a:r>
+            <a:endParaRPr lang="en-US" dirty="0"/>
           </a:p>
         </p:txBody>
       </p:sp>
@@ -8520,7 +9107,69 @@
           </a:p>
         </p:txBody>
       </p:sp>
+      <p:graphicFrame>
+        <p:nvGraphicFramePr>
+          <p:cNvPr id="5" name="Object 4"/>
+          <p:cNvGraphicFramePr>
+            <a:graphicFrameLocks noChangeAspect="1"/>
+          </p:cNvGraphicFramePr>
+          <p:nvPr>
+            <p:extLst>
+              <p:ext uri="{D42A27DB-BD31-4B8C-83A1-F6EECF244321}">
+                <p14:modId xmlns:p14="http://schemas.microsoft.com/office/powerpoint/2010/main" val="578619615"/>
+              </p:ext>
+            </p:extLst>
+          </p:nvPr>
+        </p:nvGraphicFramePr>
+        <p:xfrm>
+          <a:off x="6553200" y="3863181"/>
+          <a:ext cx="914400" cy="792163"/>
+        </p:xfrm>
+        <a:graphic>
+          <a:graphicData uri="http://schemas.openxmlformats.org/presentationml/2006/ole">
+            <mc:AlternateContent xmlns:mc="http://schemas.openxmlformats.org/markup-compatibility/2006">
+              <mc:Choice xmlns:v="urn:schemas-microsoft-com:vml" Requires="v">
+                <p:oleObj spid="_x0000_s2052" name="Acrobat Document" showAsIcon="1" r:id="rId3" imgW="914400" imgH="792360" progId="AcroExch.Document.2015">
+                  <p:embed/>
+                </p:oleObj>
+              </mc:Choice>
+              <mc:Fallback>
+                <p:oleObj name="Acrobat Document" showAsIcon="1" r:id="rId3" imgW="914400" imgH="792360" progId="AcroExch.Document.2015">
+                  <p:embed/>
+                  <p:pic>
+                    <p:nvPicPr>
+                      <p:cNvPr id="0" name=""/>
+                      <p:cNvPicPr/>
+                      <p:nvPr/>
+                    </p:nvPicPr>
+                    <p:blipFill>
+                      <a:blip r:embed="rId4"/>
+                      <a:stretch>
+                        <a:fillRect/>
+                      </a:stretch>
+                    </p:blipFill>
+                    <p:spPr>
+                      <a:xfrm>
+                        <a:off x="6553200" y="3863181"/>
+                        <a:ext cx="914400" cy="792163"/>
+                      </a:xfrm>
+                      <a:prstGeom prst="rect">
+                        <a:avLst/>
+                      </a:prstGeom>
+                    </p:spPr>
+                  </p:pic>
+                </p:oleObj>
+              </mc:Fallback>
+            </mc:AlternateContent>
+          </a:graphicData>
+        </a:graphic>
+      </p:graphicFrame>
     </p:spTree>
+    <p:extLst>
+      <p:ext uri="{BB962C8B-B14F-4D97-AF65-F5344CB8AC3E}">
+        <p14:creationId xmlns:p14="http://schemas.microsoft.com/office/powerpoint/2010/main" val="1362992607"/>
+      </p:ext>
+    </p:extLst>
   </p:cSld>
   <p:clrMapOvr>
     <a:masterClrMapping/>
@@ -8558,7 +9207,7 @@
         <p:spPr>
           <a:xfrm>
             <a:off x="71406" y="-24"/>
-            <a:ext cx="8229600" cy="1143000"/>
+            <a:ext cx="8229600" cy="642942"/>
           </a:xfrm>
         </p:spPr>
         <p:txBody>
@@ -8569,11 +9218,11 @@
           <a:p>
             <a:pPr marL="742950" indent="-742950" algn="l">
               <a:buFont typeface="+mj-lt"/>
-              <a:buAutoNum type="arabicPeriod" startAt="4"/>
+              <a:buAutoNum type="arabicPeriod" startAt="3"/>
             </a:pPr>
             <a:r>
               <a:rPr lang="en-IN" sz="3200" dirty="0" smtClean="0"/>
-              <a:t>Analysis of Electronic Health / Medical Records (EHR / EMR)</a:t>
+              <a:t>Importance of real world evidence</a:t>
             </a:r>
             <a:endParaRPr lang="en-IN" sz="3200" dirty="0"/>
           </a:p>
@@ -8581,7 +9230,7 @@
       </p:sp>
       <p:sp>
         <p:nvSpPr>
-          <p:cNvPr id="4" name="Content Placeholder 2"/>
+          <p:cNvPr id="3" name="Content Placeholder 2"/>
           <p:cNvSpPr>
             <a:spLocks noGrp="1"/>
           </p:cNvSpPr>
@@ -8591,171 +9240,49 @@
         </p:nvSpPr>
         <p:spPr>
           <a:xfrm>
-            <a:off x="357158" y="1000108"/>
-            <a:ext cx="8229600" cy="5168905"/>
+            <a:off x="142844" y="1207293"/>
+            <a:ext cx="8229600" cy="4525963"/>
           </a:xfrm>
         </p:spPr>
         <p:txBody>
-          <a:bodyPr>
-            <a:noAutofit/>
-          </a:bodyPr>
+          <a:bodyPr/>
           <a:lstStyle/>
           <a:p>
-            <a:pPr>
-              <a:buNone/>
-            </a:pPr>
-            <a:r>
-              <a:rPr lang="en-US" dirty="0"/>
-              <a:t>Structure of EHRs fall into following categories</a:t>
-            </a:r>
-            <a:r>
-              <a:rPr lang="en-US" dirty="0" smtClean="0"/>
-              <a:t>:</a:t>
-            </a:r>
-          </a:p>
-          <a:p>
-            <a:pPr marL="514350" lvl="0" indent="-514350">
-              <a:buFont typeface="+mj-lt"/>
-              <a:buAutoNum type="arabicPeriod"/>
-            </a:pPr>
-            <a:r>
-              <a:rPr lang="en-US" sz="2800" dirty="0" smtClean="0"/>
-              <a:t>Patient </a:t>
-            </a:r>
-            <a:r>
-              <a:rPr lang="en-US" sz="2800" dirty="0"/>
-              <a:t>level </a:t>
-            </a:r>
-            <a:r>
-              <a:rPr lang="en-US" sz="2800" dirty="0" smtClean="0"/>
-              <a:t>data</a:t>
-            </a:r>
-            <a:endParaRPr lang="en-IN" sz="2800" dirty="0"/>
-          </a:p>
-          <a:p>
-            <a:pPr marL="514350" lvl="0" indent="-514350">
-              <a:buFont typeface="+mj-lt"/>
-              <a:buAutoNum type="arabicPeriod"/>
-            </a:pPr>
-            <a:r>
-              <a:rPr lang="en-US" sz="2800" dirty="0"/>
-              <a:t>Heterogeneous nature of </a:t>
-            </a:r>
-            <a:r>
-              <a:rPr lang="en-US" sz="2800" dirty="0" smtClean="0"/>
-              <a:t>EHRs</a:t>
-            </a:r>
-            <a:endParaRPr lang="en-IN" sz="2800" dirty="0"/>
-          </a:p>
-          <a:p>
-            <a:pPr marL="514350" lvl="0" indent="-514350">
-              <a:buFont typeface="+mj-lt"/>
-              <a:buAutoNum type="arabicPeriod"/>
-            </a:pPr>
-            <a:r>
-              <a:rPr lang="en-US" sz="2800" dirty="0" smtClean="0"/>
-              <a:t>Longitudinal</a:t>
-            </a:r>
-            <a:endParaRPr lang="en-IN" sz="2800" dirty="0"/>
-          </a:p>
-          <a:p>
-            <a:pPr marL="514350" lvl="0" indent="-514350">
-              <a:buFont typeface="+mj-lt"/>
-              <a:buAutoNum type="arabicPeriod"/>
-            </a:pPr>
-            <a:r>
-              <a:rPr lang="en-US" sz="2800" dirty="0"/>
-              <a:t>Temporal </a:t>
-            </a:r>
-            <a:r>
-              <a:rPr lang="en-US" sz="2800" dirty="0" smtClean="0"/>
-              <a:t>relationship</a:t>
-            </a:r>
-            <a:endParaRPr lang="en-IN" sz="2800" dirty="0"/>
-          </a:p>
-          <a:p>
-            <a:pPr marL="514350" lvl="0" indent="-514350">
-              <a:buFont typeface="+mj-lt"/>
-              <a:buAutoNum type="arabicPeriod"/>
-            </a:pPr>
-            <a:r>
-              <a:rPr lang="en-US" sz="2800" dirty="0"/>
-              <a:t>Irregular timing of </a:t>
-            </a:r>
-            <a:r>
-              <a:rPr lang="en-US" sz="2800" dirty="0" smtClean="0"/>
-              <a:t>visits</a:t>
-            </a:r>
-            <a:endParaRPr lang="en-IN" sz="2800" dirty="0"/>
-          </a:p>
-          <a:p>
-            <a:pPr marL="514350" lvl="0" indent="-514350">
-              <a:buFont typeface="+mj-lt"/>
-              <a:buAutoNum type="arabicPeriod"/>
-            </a:pPr>
-            <a:r>
-              <a:rPr lang="en-US" sz="2800" dirty="0"/>
-              <a:t>Episodic </a:t>
-            </a:r>
-            <a:r>
-              <a:rPr lang="en-US" sz="2800" dirty="0" smtClean="0"/>
-              <a:t>nature</a:t>
-            </a:r>
-          </a:p>
-          <a:p>
-            <a:pPr marL="514350" lvl="0" indent="-514350">
-              <a:buFont typeface="+mj-lt"/>
-              <a:buAutoNum type="arabicPeriod"/>
-            </a:pPr>
-            <a:r>
-              <a:rPr lang="en-US" sz="2800" dirty="0" smtClean="0"/>
-              <a:t>Sparse </a:t>
-            </a:r>
-            <a:r>
-              <a:rPr lang="en-US" sz="2800" dirty="0"/>
-              <a:t>and high </a:t>
-            </a:r>
-            <a:r>
-              <a:rPr lang="en-US" sz="2800" dirty="0" smtClean="0"/>
-              <a:t>dimensional</a:t>
-            </a:r>
-            <a:endParaRPr lang="en-IN" sz="2800" dirty="0"/>
-          </a:p>
-          <a:p>
-            <a:pPr marL="514350" lvl="0" indent="-514350">
-              <a:buFont typeface="+mj-lt"/>
-              <a:buAutoNum type="arabicPeriod"/>
-            </a:pPr>
-            <a:r>
-              <a:rPr lang="en-US" sz="2800" dirty="0"/>
-              <a:t>Structured and unstructured </a:t>
-            </a:r>
-            <a:r>
-              <a:rPr lang="en-US" sz="2800" dirty="0" smtClean="0"/>
-              <a:t>content</a:t>
-            </a:r>
-            <a:endParaRPr lang="en-IN" sz="2800" dirty="0"/>
-          </a:p>
-          <a:p>
-            <a:pPr marL="514350" indent="-514350">
-              <a:buFont typeface="+mj-lt"/>
-              <a:buAutoNum type="arabicPeriod"/>
-            </a:pPr>
-            <a:r>
-              <a:rPr lang="en-US" sz="2800" dirty="0"/>
-              <a:t>Progressions of diseases and recovery </a:t>
-            </a:r>
-            <a:r>
-              <a:rPr lang="en-US" sz="2800" dirty="0" smtClean="0"/>
-              <a:t>reported</a:t>
-            </a:r>
-            <a:endParaRPr lang="en-IN" sz="2800" dirty="0"/>
-          </a:p>
-        </p:txBody>
-      </p:sp>
-      <p:sp>
-        <p:nvSpPr>
-          <p:cNvPr id="5" name="Slide Number Placeholder 4"/>
+            <a:r>
+              <a:rPr lang="en-IN" dirty="0" smtClean="0"/>
+              <a:t>Long term treatment effects and side effects</a:t>
+            </a:r>
+          </a:p>
+          <a:p>
+            <a:r>
+              <a:rPr lang="en-IN" dirty="0" smtClean="0"/>
+              <a:t>Target </a:t>
+            </a:r>
+            <a:r>
+              <a:rPr lang="en-IN" dirty="0" smtClean="0"/>
+              <a:t>trials</a:t>
+            </a:r>
+          </a:p>
+          <a:p>
+            <a:r>
+              <a:rPr lang="en-IN" dirty="0" smtClean="0"/>
+              <a:t>Supplemental scientific information to clinical trials</a:t>
+            </a:r>
+          </a:p>
+          <a:p>
+            <a:r>
+              <a:rPr lang="en-IN" dirty="0" smtClean="0"/>
+              <a:t>Use of hospital data – from a “Real world evidence” perspective</a:t>
+            </a:r>
+          </a:p>
+          <a:p>
+            <a:endParaRPr lang="en-IN" dirty="0"/>
+          </a:p>
+        </p:txBody>
+      </p:sp>
+      <p:sp>
+        <p:nvSpPr>
+          <p:cNvPr id="4" name="Slide Number Placeholder 3"/>
           <p:cNvSpPr>
             <a:spLocks noGrp="1"/>
           </p:cNvSpPr>
@@ -8824,20 +9351,13 @@
           </a:bodyPr>
           <a:lstStyle/>
           <a:p>
-            <a:pPr marL="742950" lvl="1" indent="-742950" algn="l" rtl="0">
-              <a:spcBef>
-                <a:spcPct val="0"/>
-              </a:spcBef>
+            <a:pPr marL="742950" indent="-742950" algn="l">
               <a:buFont typeface="+mj-lt"/>
               <a:buAutoNum type="arabicPeriod" startAt="4"/>
             </a:pPr>
             <a:r>
               <a:rPr lang="en-IN" sz="3200" dirty="0" smtClean="0"/>
-              <a:t>(EHR / EMR): </a:t>
-            </a:r>
-            <a:r>
-              <a:rPr lang="en-IN" sz="2400" dirty="0" smtClean="0"/>
-              <a:t>Doctor case report to an observation to Clinical story</a:t>
+              <a:t>Analysis of Electronic Health / Medical Records (EHR / EMR)</a:t>
             </a:r>
             <a:endParaRPr lang="en-IN" sz="3200" dirty="0"/>
           </a:p>
@@ -8845,7 +9365,7 @@
       </p:sp>
       <p:sp>
         <p:nvSpPr>
-          <p:cNvPr id="4" name="Content Placeholder 3"/>
+          <p:cNvPr id="4" name="Content Placeholder 2"/>
           <p:cNvSpPr>
             <a:spLocks noGrp="1"/>
           </p:cNvSpPr>
@@ -8855,38 +9375,165 @@
         </p:nvSpPr>
         <p:spPr>
           <a:xfrm>
-            <a:off x="457200" y="1600201"/>
-            <a:ext cx="8229600" cy="1828800"/>
+            <a:off x="357158" y="1000108"/>
+            <a:ext cx="8229600" cy="5168905"/>
           </a:xfrm>
         </p:spPr>
         <p:txBody>
           <a:bodyPr>
-            <a:normAutofit/>
+            <a:noAutofit/>
           </a:bodyPr>
           <a:lstStyle/>
           <a:p>
-            <a:r>
-              <a:rPr lang="en-IN" sz="2000" dirty="0" smtClean="0">
-                <a:hlinkClick r:id="rId3"/>
-              </a:rPr>
-              <a:t>https</a:t>
-            </a:r>
-            <a:r>
-              <a:rPr lang="en-IN" sz="2000" dirty="0" smtClean="0">
-                <a:hlinkClick r:id="rId3"/>
-              </a:rPr>
-              <a:t>://github.com/coursephd/PostgreSQL/blob/master/thesis/TDU-June2019/01TDU-June2019-SoftwareUse-Patterns.pptx</a:t>
-            </a:r>
-            <a:endParaRPr lang="en-IN" sz="2000" dirty="0" smtClean="0"/>
-          </a:p>
-          <a:p>
-            <a:r>
-              <a:rPr lang="en-IN" sz="2000" dirty="0" smtClean="0">
-                <a:hlinkClick r:id="rId4"/>
-              </a:rPr>
-              <a:t>https://github.com/coursephd/PostgreSQL/blob/master/thesis/Pune-Nov2019/01AYUSH-Pune-Nov2019.pptx</a:t>
-            </a:r>
-            <a:endParaRPr lang="en-IN" sz="2000" dirty="0"/>
+            <a:pPr>
+              <a:buNone/>
+            </a:pPr>
+            <a:r>
+              <a:rPr lang="en-US" dirty="0"/>
+              <a:t>Structure of EHRs fall into following categories</a:t>
+            </a:r>
+            <a:r>
+              <a:rPr lang="en-US" dirty="0" smtClean="0"/>
+              <a:t>:</a:t>
+            </a:r>
+          </a:p>
+          <a:p>
+            <a:pPr marL="514350" lvl="0" indent="-514350">
+              <a:buFont typeface="+mj-lt"/>
+              <a:buAutoNum type="arabicPeriod"/>
+            </a:pPr>
+            <a:r>
+              <a:rPr lang="en-US" sz="2800" dirty="0" smtClean="0"/>
+              <a:t>Patient </a:t>
+            </a:r>
+            <a:r>
+              <a:rPr lang="en-US" sz="2800" dirty="0"/>
+              <a:t>level </a:t>
+            </a:r>
+            <a:r>
+              <a:rPr lang="en-US" sz="2800" dirty="0" smtClean="0"/>
+              <a:t>data</a:t>
+            </a:r>
+            <a:endParaRPr lang="en-IN" sz="2800" dirty="0"/>
+          </a:p>
+          <a:p>
+            <a:pPr marL="514350" lvl="0" indent="-514350">
+              <a:buFont typeface="+mj-lt"/>
+              <a:buAutoNum type="arabicPeriod"/>
+            </a:pPr>
+            <a:r>
+              <a:rPr lang="en-US" sz="2800" dirty="0"/>
+              <a:t>Heterogeneous nature of </a:t>
+            </a:r>
+            <a:r>
+              <a:rPr lang="en-US" sz="2800" dirty="0" smtClean="0"/>
+              <a:t>EHRs</a:t>
+            </a:r>
+            <a:endParaRPr lang="en-IN" sz="2800" dirty="0"/>
+          </a:p>
+          <a:p>
+            <a:pPr marL="514350" lvl="0" indent="-514350">
+              <a:buFont typeface="+mj-lt"/>
+              <a:buAutoNum type="arabicPeriod"/>
+            </a:pPr>
+            <a:r>
+              <a:rPr lang="en-US" sz="2800" dirty="0" smtClean="0"/>
+              <a:t>Longitudinal</a:t>
+            </a:r>
+            <a:endParaRPr lang="en-IN" sz="2800" dirty="0"/>
+          </a:p>
+          <a:p>
+            <a:pPr marL="514350" lvl="0" indent="-514350">
+              <a:buFont typeface="+mj-lt"/>
+              <a:buAutoNum type="arabicPeriod"/>
+            </a:pPr>
+            <a:r>
+              <a:rPr lang="en-US" sz="2800" dirty="0"/>
+              <a:t>Temporal </a:t>
+            </a:r>
+            <a:r>
+              <a:rPr lang="en-US" sz="2800" dirty="0" smtClean="0"/>
+              <a:t>relationship</a:t>
+            </a:r>
+            <a:endParaRPr lang="en-IN" sz="2800" dirty="0"/>
+          </a:p>
+          <a:p>
+            <a:pPr marL="514350" lvl="0" indent="-514350">
+              <a:buFont typeface="+mj-lt"/>
+              <a:buAutoNum type="arabicPeriod"/>
+            </a:pPr>
+            <a:r>
+              <a:rPr lang="en-US" sz="2800" dirty="0"/>
+              <a:t>Irregular timing of </a:t>
+            </a:r>
+            <a:r>
+              <a:rPr lang="en-US" sz="2800" dirty="0" smtClean="0"/>
+              <a:t>visits</a:t>
+            </a:r>
+            <a:endParaRPr lang="en-IN" sz="2800" dirty="0"/>
+          </a:p>
+          <a:p>
+            <a:pPr marL="514350" lvl="0" indent="-514350">
+              <a:buFont typeface="+mj-lt"/>
+              <a:buAutoNum type="arabicPeriod"/>
+            </a:pPr>
+            <a:r>
+              <a:rPr lang="en-US" sz="2800" dirty="0"/>
+              <a:t>Episodic </a:t>
+            </a:r>
+            <a:r>
+              <a:rPr lang="en-US" sz="2800" dirty="0" smtClean="0"/>
+              <a:t>nature</a:t>
+            </a:r>
+          </a:p>
+          <a:p>
+            <a:pPr marL="514350" lvl="0" indent="-514350">
+              <a:buFont typeface="+mj-lt"/>
+              <a:buAutoNum type="arabicPeriod"/>
+            </a:pPr>
+            <a:r>
+              <a:rPr lang="en-US" sz="2800" dirty="0" smtClean="0"/>
+              <a:t>Sparse </a:t>
+            </a:r>
+            <a:r>
+              <a:rPr lang="en-US" sz="2800" dirty="0"/>
+              <a:t>and high </a:t>
+            </a:r>
+            <a:r>
+              <a:rPr lang="en-US" sz="2800" dirty="0" smtClean="0"/>
+              <a:t>dimensional</a:t>
+            </a:r>
+            <a:endParaRPr lang="en-IN" sz="2800" dirty="0"/>
+          </a:p>
+          <a:p>
+            <a:pPr marL="514350" lvl="0" indent="-514350">
+              <a:buFont typeface="+mj-lt"/>
+              <a:buAutoNum type="arabicPeriod"/>
+            </a:pPr>
+            <a:r>
+              <a:rPr lang="en-US" sz="2800" dirty="0"/>
+              <a:t>Structured and unstructured </a:t>
+            </a:r>
+            <a:r>
+              <a:rPr lang="en-US" sz="2800" dirty="0" smtClean="0"/>
+              <a:t>content</a:t>
+            </a:r>
+            <a:endParaRPr lang="en-IN" sz="2800" dirty="0"/>
+          </a:p>
+          <a:p>
+            <a:pPr marL="514350" indent="-514350">
+              <a:buFont typeface="+mj-lt"/>
+              <a:buAutoNum type="arabicPeriod"/>
+            </a:pPr>
+            <a:r>
+              <a:rPr lang="en-US" sz="2800" dirty="0"/>
+              <a:t>Progressions of diseases and recovery </a:t>
+            </a:r>
+            <a:r>
+              <a:rPr lang="en-US" sz="2800" dirty="0" smtClean="0"/>
+              <a:t>reported</a:t>
+            </a:r>
+            <a:endParaRPr lang="en-IN" sz="2800" dirty="0"/>
           </a:p>
         </p:txBody>
       </p:sp>
@@ -8949,196 +9596,65 @@
             <p:ph type="title"/>
           </p:nvPr>
         </p:nvSpPr>
-        <p:spPr>
-          <a:xfrm>
-            <a:off x="71406" y="-24"/>
-            <a:ext cx="8229600" cy="1143000"/>
-          </a:xfrm>
-        </p:spPr>
+        <p:spPr/>
         <p:txBody>
           <a:bodyPr>
-            <a:noAutofit/>
+            <a:normAutofit/>
           </a:bodyPr>
           <a:lstStyle/>
           <a:p>
-            <a:pPr marL="742950" lvl="1" indent="-742950" algn="l" rtl="0">
-              <a:spcBef>
-                <a:spcPct val="0"/>
-              </a:spcBef>
-              <a:buFont typeface="+mj-lt"/>
-              <a:buAutoNum type="arabicPeriod" startAt="4"/>
+            <a:r>
+              <a:rPr lang="en-US" sz="3200" dirty="0"/>
+              <a:t>Attached </a:t>
+            </a:r>
+            <a:r>
+              <a:rPr lang="en-US" sz="3200" dirty="0" smtClean="0"/>
+              <a:t>paper03 </a:t>
+            </a:r>
+            <a:r>
+              <a:rPr lang="en-US" sz="3200" dirty="0"/>
+              <a:t>ongoing work:</a:t>
+            </a:r>
+          </a:p>
+        </p:txBody>
+      </p:sp>
+      <p:sp>
+        <p:nvSpPr>
+          <p:cNvPr id="3" name="Content Placeholder 2"/>
+          <p:cNvSpPr>
+            <a:spLocks noGrp="1"/>
+          </p:cNvSpPr>
+          <p:nvPr>
+            <p:ph idx="1"/>
+          </p:nvPr>
+        </p:nvSpPr>
+        <p:spPr/>
+        <p:txBody>
+          <a:bodyPr/>
+          <a:lstStyle/>
+          <a:p>
+            <a:pPr marL="0" indent="0">
+              <a:buNone/>
             </a:pPr>
             <a:r>
-              <a:rPr lang="en-IN" sz="3200" dirty="0" smtClean="0"/>
-              <a:t>(EHR / EMR): </a:t>
-            </a:r>
-            <a:r>
-              <a:rPr lang="en-IN" sz="2400" dirty="0" smtClean="0"/>
-              <a:t>Visual analytics</a:t>
-            </a:r>
-            <a:endParaRPr lang="en-IN" sz="3200" dirty="0"/>
-          </a:p>
-        </p:txBody>
-      </p:sp>
-      <p:sp>
-        <p:nvSpPr>
-          <p:cNvPr id="3" name="Content Placeholder 2"/>
-          <p:cNvSpPr>
-            <a:spLocks noGrp="1"/>
-          </p:cNvSpPr>
-          <p:nvPr>
-            <p:ph idx="1"/>
-          </p:nvPr>
-        </p:nvSpPr>
-        <p:spPr>
-          <a:xfrm>
-            <a:off x="342928" y="1000108"/>
-            <a:ext cx="8229600" cy="5357850"/>
-          </a:xfrm>
-        </p:spPr>
-        <p:txBody>
-          <a:bodyPr>
-            <a:noAutofit/>
-          </a:bodyPr>
-          <a:lstStyle/>
-          <a:p>
-            <a:pPr marL="514350" indent="-514350">
-              <a:buFont typeface="+mj-lt"/>
-              <a:buAutoNum type="arabicPeriod"/>
+              <a:rPr lang="en-IN" dirty="0" smtClean="0"/>
+              <a:t>Title: 8 </a:t>
+            </a:r>
+            <a:r>
+              <a:rPr lang="en-IN" dirty="0"/>
+              <a:t>innovative uses of ayurvedic disease and medicine codes captured in EMR for clinical story</a:t>
+            </a:r>
+            <a:endParaRPr lang="en-US" dirty="0"/>
+          </a:p>
+          <a:p>
+            <a:pPr marL="0" indent="0">
+              <a:buNone/>
             </a:pPr>
             <a:r>
-              <a:rPr lang="en-IN" sz="2400" dirty="0" smtClean="0"/>
-              <a:t>Exploratory analysis to understand the underlying data</a:t>
-            </a:r>
-          </a:p>
-          <a:p>
-            <a:pPr marL="514350" indent="-514350">
-              <a:buFont typeface="+mj-lt"/>
-              <a:buAutoNum type="arabicPeriod"/>
-            </a:pPr>
-            <a:r>
-              <a:rPr lang="en-IN" sz="2400" dirty="0" smtClean="0"/>
-              <a:t>Descriptive analysis of the data</a:t>
-            </a:r>
-          </a:p>
-          <a:p>
-            <a:pPr marL="514350" indent="-514350">
-              <a:buFont typeface="+mj-lt"/>
-              <a:buAutoNum type="arabicPeriod"/>
-            </a:pPr>
-            <a:r>
-              <a:rPr lang="en-IN" sz="2400" dirty="0" smtClean="0"/>
-              <a:t>Patient profile views</a:t>
-            </a:r>
-          </a:p>
-          <a:p>
-            <a:pPr marL="514350" indent="-514350">
-              <a:buFont typeface="+mj-lt"/>
-              <a:buAutoNum type="arabicPeriod"/>
-            </a:pPr>
-            <a:r>
-              <a:rPr lang="en-IN" sz="2400" dirty="0" smtClean="0"/>
-              <a:t>Seasonal variations of diseases</a:t>
-            </a:r>
-          </a:p>
-          <a:p>
-            <a:pPr marL="514350" indent="-514350">
-              <a:buFont typeface="+mj-lt"/>
-              <a:buAutoNum type="arabicPeriod"/>
-            </a:pPr>
-            <a:r>
-              <a:rPr lang="en-IN" sz="2400" dirty="0" smtClean="0"/>
-              <a:t>Disease specific analysis</a:t>
-            </a:r>
-          </a:p>
-          <a:p>
-            <a:pPr marL="914400" lvl="1" indent="-514350">
-              <a:buFont typeface="+mj-lt"/>
-              <a:buAutoNum type="arabicPeriod"/>
-            </a:pPr>
-            <a:r>
-              <a:rPr lang="en-IN" sz="2000" dirty="0" smtClean="0"/>
-              <a:t>Metabolic</a:t>
-            </a:r>
-          </a:p>
-          <a:p>
-            <a:pPr marL="914400" lvl="1" indent="-514350">
-              <a:buFont typeface="+mj-lt"/>
-              <a:buAutoNum type="arabicPeriod"/>
-            </a:pPr>
-            <a:r>
-              <a:rPr lang="en-IN" sz="2000" dirty="0" smtClean="0"/>
-              <a:t>RMSD</a:t>
-            </a:r>
-          </a:p>
-          <a:p>
-            <a:pPr marL="914400" lvl="1" indent="-514350">
-              <a:buFont typeface="+mj-lt"/>
-              <a:buAutoNum type="arabicPeriod"/>
-            </a:pPr>
-            <a:r>
-              <a:rPr lang="en-IN" sz="2000" dirty="0" err="1" smtClean="0"/>
-              <a:t>Vrikka</a:t>
-            </a:r>
-            <a:r>
-              <a:rPr lang="en-IN" sz="2000" dirty="0" smtClean="0"/>
-              <a:t> </a:t>
-            </a:r>
-            <a:r>
-              <a:rPr lang="en-IN" sz="2000" dirty="0" err="1" smtClean="0"/>
-              <a:t>roga</a:t>
-            </a:r>
-            <a:endParaRPr lang="en-IN" sz="2000" dirty="0" smtClean="0"/>
-          </a:p>
-          <a:p>
-            <a:pPr marL="914400" lvl="1" indent="-514350">
-              <a:buFont typeface="+mj-lt"/>
-              <a:buAutoNum type="arabicPeriod"/>
-            </a:pPr>
-            <a:r>
-              <a:rPr lang="en-IN" sz="2000" dirty="0" smtClean="0"/>
-              <a:t>Cancer</a:t>
-            </a:r>
-          </a:p>
-          <a:p>
-            <a:pPr marL="514350" indent="-514350">
-              <a:buFont typeface="+mj-lt"/>
-              <a:buAutoNum type="arabicPeriod"/>
-            </a:pPr>
-            <a:r>
-              <a:rPr lang="en-IN" sz="2400" dirty="0" smtClean="0"/>
-              <a:t>Disease trajectory on human Body</a:t>
-            </a:r>
-          </a:p>
-          <a:p>
-            <a:pPr marL="514350" indent="-514350">
-              <a:buFont typeface="+mj-lt"/>
-              <a:buAutoNum type="arabicPeriod"/>
-            </a:pPr>
-            <a:r>
-              <a:rPr lang="en-IN" sz="2400" dirty="0" smtClean="0"/>
-              <a:t>Responder, Non-responder analysis</a:t>
-            </a:r>
-          </a:p>
-          <a:p>
-            <a:pPr marL="514350" indent="-514350">
-              <a:buFont typeface="+mj-lt"/>
-              <a:buAutoNum type="arabicPeriod"/>
-            </a:pPr>
-            <a:r>
-              <a:rPr lang="en-IN" sz="2400" dirty="0" smtClean="0"/>
-              <a:t>Collapsible network tree</a:t>
-            </a:r>
-          </a:p>
-          <a:p>
-            <a:pPr marL="514350" indent="-514350">
-              <a:buFont typeface="+mj-lt"/>
-              <a:buAutoNum type="arabicPeriod"/>
-            </a:pPr>
-            <a:r>
-              <a:rPr lang="en-IN" sz="2400" dirty="0" smtClean="0"/>
-              <a:t>Collapsible network diagram</a:t>
-            </a:r>
+              <a:rPr lang="en-US" dirty="0" smtClean="0"/>
+              <a:t>Paper: </a:t>
+            </a:r>
+            <a:endParaRPr lang="en-US" dirty="0"/>
           </a:p>
         </p:txBody>
       </p:sp>
@@ -9166,7 +9682,69 @@
           </a:p>
         </p:txBody>
       </p:sp>
+      <p:graphicFrame>
+        <p:nvGraphicFramePr>
+          <p:cNvPr id="6" name="Object 5"/>
+          <p:cNvGraphicFramePr>
+            <a:graphicFrameLocks noChangeAspect="1"/>
+          </p:cNvGraphicFramePr>
+          <p:nvPr>
+            <p:extLst>
+              <p:ext uri="{D42A27DB-BD31-4B8C-83A1-F6EECF244321}">
+                <p14:modId xmlns:p14="http://schemas.microsoft.com/office/powerpoint/2010/main" val="1448469475"/>
+              </p:ext>
+            </p:extLst>
+          </p:nvPr>
+        </p:nvGraphicFramePr>
+        <p:xfrm>
+          <a:off x="3275856" y="3573016"/>
+          <a:ext cx="914400" cy="792163"/>
+        </p:xfrm>
+        <a:graphic>
+          <a:graphicData uri="http://schemas.openxmlformats.org/presentationml/2006/ole">
+            <mc:AlternateContent xmlns:mc="http://schemas.openxmlformats.org/markup-compatibility/2006">
+              <mc:Choice xmlns:v="urn:schemas-microsoft-com:vml" Requires="v">
+                <p:oleObj spid="_x0000_s3074" name="Document" showAsIcon="1" r:id="rId3" imgW="914400" imgH="792360" progId="Word.Document.8">
+                  <p:embed/>
+                </p:oleObj>
+              </mc:Choice>
+              <mc:Fallback>
+                <p:oleObj name="Document" showAsIcon="1" r:id="rId3" imgW="914400" imgH="792360" progId="Word.Document.8">
+                  <p:embed/>
+                  <p:pic>
+                    <p:nvPicPr>
+                      <p:cNvPr id="0" name=""/>
+                      <p:cNvPicPr/>
+                      <p:nvPr/>
+                    </p:nvPicPr>
+                    <p:blipFill>
+                      <a:blip r:embed="rId4"/>
+                      <a:stretch>
+                        <a:fillRect/>
+                      </a:stretch>
+                    </p:blipFill>
+                    <p:spPr>
+                      <a:xfrm>
+                        <a:off x="3275856" y="3573016"/>
+                        <a:ext cx="914400" cy="792163"/>
+                      </a:xfrm>
+                      <a:prstGeom prst="rect">
+                        <a:avLst/>
+                      </a:prstGeom>
+                    </p:spPr>
+                  </p:pic>
+                </p:oleObj>
+              </mc:Fallback>
+            </mc:AlternateContent>
+          </a:graphicData>
+        </a:graphic>
+      </p:graphicFrame>
     </p:spTree>
+    <p:extLst>
+      <p:ext uri="{BB962C8B-B14F-4D97-AF65-F5344CB8AC3E}">
+        <p14:creationId xmlns:p14="http://schemas.microsoft.com/office/powerpoint/2010/main" val="3209999795"/>
+      </p:ext>
+    </p:extLst>
   </p:cSld>
   <p:clrMapOvr>
     <a:masterClrMapping/>
@@ -9226,7 +9804,7 @@
             </a:r>
             <a:r>
               <a:rPr lang="en-IN" sz="2400" dirty="0" smtClean="0"/>
-              <a:t>Before and after analysis</a:t>
+              <a:t>Doctor case report to an observation to Clinical story</a:t>
             </a:r>
             <a:endParaRPr lang="en-IN" sz="3200" dirty="0"/>
           </a:p>
@@ -9234,7 +9812,7 @@
       </p:sp>
       <p:sp>
         <p:nvSpPr>
-          <p:cNvPr id="3" name="Content Placeholder 2"/>
+          <p:cNvPr id="4" name="Content Placeholder 3"/>
           <p:cNvSpPr>
             <a:spLocks noGrp="1"/>
           </p:cNvSpPr>
@@ -9242,106 +9820,50 @@
             <p:ph idx="1"/>
           </p:nvPr>
         </p:nvSpPr>
-        <p:spPr>
-          <a:xfrm>
-            <a:off x="342928" y="1214422"/>
-            <a:ext cx="8586790" cy="4525963"/>
-          </a:xfrm>
-        </p:spPr>
-        <p:txBody>
-          <a:bodyPr>
-            <a:normAutofit lnSpcReduction="10000"/>
-          </a:bodyPr>
+        <p:spPr/>
+        <p:txBody>
+          <a:bodyPr/>
           <a:lstStyle/>
           <a:p>
-            <a:pPr marL="514350" indent="-514350">
-              <a:buFont typeface="+mj-lt"/>
-              <a:buAutoNum type="arabicPeriod"/>
-            </a:pPr>
-            <a:r>
-              <a:rPr lang="en-IN" dirty="0"/>
-              <a:t>T</a:t>
-            </a:r>
             <a:r>
               <a:rPr lang="en-IN" dirty="0" smtClean="0"/>
-              <a:t>abular view</a:t>
-            </a:r>
-          </a:p>
-          <a:p>
-            <a:pPr marL="514350" indent="-514350">
-              <a:buFont typeface="+mj-lt"/>
-              <a:buAutoNum type="arabicPeriod"/>
-            </a:pPr>
+              <a:t>Slides presented at the TDU conference (July 2019) + Slides presented at </a:t>
+            </a:r>
+            <a:r>
+              <a:rPr lang="en-IN" dirty="0" err="1" smtClean="0"/>
+              <a:t>Pune</a:t>
+            </a:r>
             <a:r>
               <a:rPr lang="en-IN" dirty="0" smtClean="0"/>
-              <a:t>Circular view</a:t>
-            </a:r>
-          </a:p>
-          <a:p>
-            <a:pPr marL="514350" indent="-514350">
-              <a:buFont typeface="+mj-lt"/>
-              <a:buAutoNum type="arabicPeriod"/>
-            </a:pPr>
-            <a:r>
-              <a:rPr lang="en-IN" dirty="0" smtClean="0"/>
-              <a:t>Sequence Pattern Mining Framework (SPMF) algorithms</a:t>
-            </a:r>
-          </a:p>
-          <a:p>
-            <a:pPr marL="514350" indent="-514350">
-              <a:buFont typeface="+mj-lt"/>
-              <a:buAutoNum type="arabicPeriod"/>
-            </a:pPr>
-            <a:r>
-              <a:rPr lang="en-IN" dirty="0" smtClean="0"/>
-              <a:t>Visuals built using Java and d3js libraries</a:t>
-            </a:r>
-          </a:p>
-          <a:p>
-            <a:pPr marL="514350" indent="-514350">
-              <a:buFont typeface="+mj-lt"/>
-              <a:buAutoNum type="arabicPeriod"/>
-            </a:pPr>
-            <a:r>
-              <a:rPr lang="en-IN" dirty="0" smtClean="0"/>
-              <a:t>Distance measures with time component</a:t>
-            </a:r>
-          </a:p>
-          <a:p>
-            <a:pPr marL="514350" indent="-514350">
-              <a:buFont typeface="+mj-lt"/>
-              <a:buAutoNum type="arabicPeriod"/>
-            </a:pPr>
-            <a:r>
-              <a:rPr lang="en-IN" dirty="0" smtClean="0"/>
-              <a:t>Distance measures without time component</a:t>
-            </a:r>
-          </a:p>
-          <a:p>
-            <a:pPr marL="514350" indent="-514350">
-              <a:buFont typeface="+mj-lt"/>
-              <a:buAutoNum type="arabicPeriod"/>
-            </a:pPr>
-            <a:r>
-              <a:rPr lang="en-IN" dirty="0" err="1" smtClean="0"/>
-              <a:t>ComorBidity</a:t>
-            </a:r>
-            <a:r>
-              <a:rPr lang="en-IN" dirty="0" smtClean="0"/>
-              <a:t> analysis</a:t>
-            </a:r>
-          </a:p>
-          <a:p>
-            <a:pPr>
-              <a:buNone/>
-            </a:pPr>
-            <a:endParaRPr lang="en-IN" dirty="0"/>
-          </a:p>
-        </p:txBody>
-      </p:sp>
-      <p:sp>
-        <p:nvSpPr>
-          <p:cNvPr id="4" name="Slide Number Placeholder 3"/>
+              <a:t> University (Nov 2019)</a:t>
+            </a:r>
+          </a:p>
+          <a:p>
+            <a:endParaRPr lang="en-IN" dirty="0" smtClean="0"/>
+          </a:p>
+          <a:p>
+            <a:r>
+              <a:rPr lang="en-IN" sz="1600" dirty="0" smtClean="0">
+                <a:hlinkClick r:id="rId3"/>
+              </a:rPr>
+              <a:t>https://github.com/coursephd/PostgreSQL/blob/master/thesis/TDU-June2019/01TDU-June2019-SoftwareUse-Patterns.pptx</a:t>
+            </a:r>
+            <a:endParaRPr lang="en-IN" sz="1600" dirty="0" smtClean="0"/>
+          </a:p>
+          <a:p>
+            <a:r>
+              <a:rPr lang="en-IN" sz="1600" dirty="0" smtClean="0">
+                <a:hlinkClick r:id="rId4"/>
+              </a:rPr>
+              <a:t>https://github.com/coursephd/PostgreSQL/blob/master/thesis/Pune-Nov2019/01AYUSH-Pune-Nov2019.pptx</a:t>
+            </a:r>
+            <a:endParaRPr lang="en-IN" sz="1600" dirty="0"/>
+          </a:p>
+        </p:txBody>
+      </p:sp>
+      <p:sp>
+        <p:nvSpPr>
+          <p:cNvPr id="5" name="Slide Number Placeholder 4"/>
           <p:cNvSpPr>
             <a:spLocks noGrp="1"/>
           </p:cNvSpPr>
